--- a/기획서/신버전/룸 &레벨 관리 시스템.pptx
+++ b/기획서/신버전/룸 &레벨 관리 시스템.pptx
@@ -5,10 +5,10 @@
     <p:sldMasterId id="2147483684" r:id="rId1"/>
   </p:sldMasterIdLst>
   <p:notesMasterIdLst>
-    <p:notesMasterId r:id="rId8"/>
+    <p:notesMasterId r:id="rId10"/>
   </p:notesMasterIdLst>
   <p:handoutMasterIdLst>
-    <p:handoutMasterId r:id="rId9"/>
+    <p:handoutMasterId r:id="rId11"/>
   </p:handoutMasterIdLst>
   <p:sldIdLst>
     <p:sldId id="256" r:id="rId2"/>
@@ -17,6 +17,8 @@
     <p:sldId id="260" r:id="rId5"/>
     <p:sldId id="262" r:id="rId6"/>
     <p:sldId id="263" r:id="rId7"/>
+    <p:sldId id="264" r:id="rId8"/>
+    <p:sldId id="265" r:id="rId9"/>
   </p:sldIdLst>
   <p:sldSz cx="17610138" cy="9906000"/>
   <p:notesSz cx="6858000" cy="9144000"/>
@@ -217,7 +219,7 @@
           <a:p>
             <a:fld id="{D686C50E-113A-4B4A-8A5C-9EE1E9DBA064}" type="datetimeFigureOut">
               <a:rPr lang="ko-KR" altLang="en-US" smtClean="0"/>
-              <a:t>2021-05-21</a:t>
+              <a:t>2021-05-22</a:t>
             </a:fld>
             <a:endParaRPr lang="ko-KR" altLang="en-US" dirty="0"/>
           </a:p>
@@ -394,7 +396,7 @@
           <a:p>
             <a:fld id="{40EC3B2E-CA71-40FC-A78E-FA212ABD0BB7}" type="datetimeFigureOut">
               <a:rPr lang="ko-KR" altLang="en-US" smtClean="0"/>
-              <a:t>2021-05-21</a:t>
+              <a:t>2021-05-22</a:t>
             </a:fld>
             <a:endParaRPr lang="ko-KR" altLang="en-US" dirty="0"/>
           </a:p>
@@ -792,7 +794,7 @@
           <a:p>
             <a:fld id="{F8CAAD71-D53C-4447-AAA3-BC9075A67E69}" type="datetimeFigureOut">
               <a:rPr lang="ko-KR" altLang="en-US" smtClean="0"/>
-              <a:t>2021-05-21</a:t>
+              <a:t>2021-05-22</a:t>
             </a:fld>
             <a:endParaRPr lang="ko-KR" altLang="en-US" dirty="0"/>
           </a:p>
@@ -962,7 +964,7 @@
           <a:p>
             <a:fld id="{F8CAAD71-D53C-4447-AAA3-BC9075A67E69}" type="datetimeFigureOut">
               <a:rPr lang="ko-KR" altLang="en-US" smtClean="0"/>
-              <a:t>2021-05-21</a:t>
+              <a:t>2021-05-22</a:t>
             </a:fld>
             <a:endParaRPr lang="ko-KR" altLang="en-US" dirty="0"/>
           </a:p>
@@ -1142,7 +1144,7 @@
           <a:p>
             <a:fld id="{F8CAAD71-D53C-4447-AAA3-BC9075A67E69}" type="datetimeFigureOut">
               <a:rPr lang="ko-KR" altLang="en-US" smtClean="0"/>
-              <a:t>2021-05-21</a:t>
+              <a:t>2021-05-22</a:t>
             </a:fld>
             <a:endParaRPr lang="ko-KR" altLang="en-US" dirty="0"/>
           </a:p>
@@ -1312,7 +1314,7 @@
           <a:p>
             <a:fld id="{F8CAAD71-D53C-4447-AAA3-BC9075A67E69}" type="datetimeFigureOut">
               <a:rPr lang="ko-KR" altLang="en-US" smtClean="0"/>
-              <a:t>2021-05-21</a:t>
+              <a:t>2021-05-22</a:t>
             </a:fld>
             <a:endParaRPr lang="ko-KR" altLang="en-US" dirty="0"/>
           </a:p>
@@ -1558,7 +1560,7 @@
           <a:p>
             <a:fld id="{F8CAAD71-D53C-4447-AAA3-BC9075A67E69}" type="datetimeFigureOut">
               <a:rPr lang="ko-KR" altLang="en-US" smtClean="0"/>
-              <a:t>2021-05-21</a:t>
+              <a:t>2021-05-22</a:t>
             </a:fld>
             <a:endParaRPr lang="ko-KR" altLang="en-US" dirty="0"/>
           </a:p>
@@ -1790,7 +1792,7 @@
           <a:p>
             <a:fld id="{F8CAAD71-D53C-4447-AAA3-BC9075A67E69}" type="datetimeFigureOut">
               <a:rPr lang="ko-KR" altLang="en-US" smtClean="0"/>
-              <a:t>2021-05-21</a:t>
+              <a:t>2021-05-22</a:t>
             </a:fld>
             <a:endParaRPr lang="ko-KR" altLang="en-US" dirty="0"/>
           </a:p>
@@ -2157,7 +2159,7 @@
           <a:p>
             <a:fld id="{F8CAAD71-D53C-4447-AAA3-BC9075A67E69}" type="datetimeFigureOut">
               <a:rPr lang="ko-KR" altLang="en-US" smtClean="0"/>
-              <a:t>2021-05-21</a:t>
+              <a:t>2021-05-22</a:t>
             </a:fld>
             <a:endParaRPr lang="ko-KR" altLang="en-US" dirty="0"/>
           </a:p>
@@ -2275,7 +2277,7 @@
           <a:p>
             <a:fld id="{F8CAAD71-D53C-4447-AAA3-BC9075A67E69}" type="datetimeFigureOut">
               <a:rPr lang="ko-KR" altLang="en-US" smtClean="0"/>
-              <a:t>2021-05-21</a:t>
+              <a:t>2021-05-22</a:t>
             </a:fld>
             <a:endParaRPr lang="ko-KR" altLang="en-US" dirty="0"/>
           </a:p>
@@ -2370,7 +2372,7 @@
           <a:p>
             <a:fld id="{F8CAAD71-D53C-4447-AAA3-BC9075A67E69}" type="datetimeFigureOut">
               <a:rPr lang="ko-KR" altLang="en-US" smtClean="0"/>
-              <a:t>2021-05-21</a:t>
+              <a:t>2021-05-22</a:t>
             </a:fld>
             <a:endParaRPr lang="ko-KR" altLang="en-US" dirty="0"/>
           </a:p>
@@ -2647,7 +2649,7 @@
           <a:p>
             <a:fld id="{F8CAAD71-D53C-4447-AAA3-BC9075A67E69}" type="datetimeFigureOut">
               <a:rPr lang="ko-KR" altLang="en-US" smtClean="0"/>
-              <a:t>2021-05-21</a:t>
+              <a:t>2021-05-22</a:t>
             </a:fld>
             <a:endParaRPr lang="ko-KR" altLang="en-US" dirty="0"/>
           </a:p>
@@ -2904,7 +2906,7 @@
           <a:p>
             <a:fld id="{F8CAAD71-D53C-4447-AAA3-BC9075A67E69}" type="datetimeFigureOut">
               <a:rPr lang="ko-KR" altLang="en-US" smtClean="0"/>
-              <a:t>2021-05-21</a:t>
+              <a:t>2021-05-22</a:t>
             </a:fld>
             <a:endParaRPr lang="ko-KR" altLang="en-US" dirty="0"/>
           </a:p>
@@ -3122,7 +3124,7 @@
           <a:p>
             <a:fld id="{F8CAAD71-D53C-4447-AAA3-BC9075A67E69}" type="datetimeFigureOut">
               <a:rPr lang="ko-KR" altLang="en-US" smtClean="0"/>
-              <a:t>2021-05-21</a:t>
+              <a:t>2021-05-22</a:t>
             </a:fld>
             <a:endParaRPr lang="ko-KR" altLang="en-US" dirty="0"/>
           </a:p>
@@ -3586,7 +3588,27 @@
                 <a:latin typeface="휴먼모음T" panose="02030504000101010101" pitchFamily="18" charset="-127"/>
                 <a:ea typeface="휴먼모음T" panose="02030504000101010101" pitchFamily="18" charset="-127"/>
               </a:rPr>
-              <a:t>룸 시스템</a:t>
+              <a:t>룸</a:t>
+            </a:r>
+            <a:r>
+              <a:rPr lang="en-US" altLang="ko-KR" sz="2401" dirty="0">
+                <a:solidFill>
+                  <a:schemeClr val="accent4"/>
+                </a:solidFill>
+                <a:latin typeface="휴먼모음T" panose="02030504000101010101" pitchFamily="18" charset="-127"/>
+                <a:ea typeface="휴먼모음T" panose="02030504000101010101" pitchFamily="18" charset="-127"/>
+              </a:rPr>
+              <a:t>&amp;</a:t>
+            </a:r>
+            <a:r>
+              <a:rPr lang="ko-KR" altLang="en-US" sz="2401" dirty="0">
+                <a:solidFill>
+                  <a:schemeClr val="accent4"/>
+                </a:solidFill>
+                <a:latin typeface="휴먼모음T" panose="02030504000101010101" pitchFamily="18" charset="-127"/>
+                <a:ea typeface="휴먼모음T" panose="02030504000101010101" pitchFamily="18" charset="-127"/>
+              </a:rPr>
+              <a:t>스테이지 관리 시스템</a:t>
             </a:r>
           </a:p>
         </p:txBody>
@@ -3782,7 +3804,7 @@
         <p:spPr>
           <a:xfrm>
             <a:off x="445276" y="1697447"/>
-            <a:ext cx="5967448" cy="3913059"/>
+            <a:ext cx="5967448" cy="3359061"/>
           </a:xfrm>
           <a:prstGeom prst="rect">
             <a:avLst/>
@@ -3891,7 +3913,23 @@
                   <a:schemeClr val="bg1"/>
                 </a:solidFill>
               </a:rPr>
-              <a:t>레벨 시작</a:t>
+              <a:t>스테이지 이동</a:t>
+            </a:r>
+            <a:r>
+              <a:rPr lang="en-US" altLang="ko-KR" sz="2400" b="1" dirty="0">
+                <a:solidFill>
+                  <a:schemeClr val="bg1"/>
+                </a:solidFill>
+              </a:rPr>
+              <a:t>&amp;</a:t>
+            </a:r>
+            <a:r>
+              <a:rPr lang="ko-KR" altLang="en-US" sz="2400" b="1" dirty="0">
+                <a:solidFill>
+                  <a:schemeClr val="bg1"/>
+                </a:solidFill>
+              </a:rPr>
+              <a:t>로딩</a:t>
             </a:r>
             <a:endParaRPr lang="en-US" altLang="ko-KR" sz="2400" b="1" dirty="0">
               <a:solidFill>
@@ -3912,16 +3950,9 @@
                   <a:schemeClr val="bg1"/>
                 </a:solidFill>
               </a:rPr>
-              <a:t>레벨 이동</a:t>
-            </a:r>
-          </a:p>
-          <a:p>
-            <a:pPr>
-              <a:lnSpc>
-                <a:spcPct val="150000"/>
-              </a:lnSpc>
-            </a:pPr>
-            <a:endParaRPr lang="ko-KR" altLang="en-US" sz="2400" b="1" dirty="0">
+              <a:t>이벤트 발생</a:t>
+            </a:r>
+            <a:endParaRPr lang="en-US" altLang="ko-KR" sz="2400" b="1" dirty="0">
               <a:solidFill>
                 <a:schemeClr val="bg1"/>
               </a:solidFill>
@@ -3974,7 +4005,7 @@
         <p:spPr>
           <a:xfrm>
             <a:off x="101601" y="1445888"/>
-            <a:ext cx="8896095" cy="4308872"/>
+            <a:ext cx="8896095" cy="5693866"/>
           </a:xfrm>
           <a:prstGeom prst="rect">
             <a:avLst/>
@@ -4044,7 +4075,7 @@
                 <a:latin typeface="HY그래픽M" panose="02030600000101010101" pitchFamily="18" charset="-127"/>
                 <a:ea typeface="HY그래픽M" panose="02030600000101010101" pitchFamily="18" charset="-127"/>
               </a:rPr>
-              <a:t>레벨 관리 시스템</a:t>
+              <a:t>스테이지 관리 시스템</a:t>
             </a:r>
             <a:r>
               <a:rPr lang="ko-KR" altLang="en-US" b="1" dirty="0">
@@ -4325,12 +4356,203 @@
               <a:buChar char="-"/>
             </a:pPr>
             <a:r>
+              <a:rPr lang="en-US" altLang="ko-KR" b="1" dirty="0">
+                <a:latin typeface="HY그래픽M" panose="02030600000101010101" pitchFamily="18" charset="-127"/>
+                <a:ea typeface="HY그래픽M" panose="02030600000101010101" pitchFamily="18" charset="-127"/>
+              </a:rPr>
+              <a:t>Wa</a:t>
+            </a:r>
+            <a:r>
+              <a:rPr lang="ko-KR" altLang="en-US" b="1" dirty="0">
+                <a:latin typeface="HY그래픽M" panose="02030600000101010101" pitchFamily="18" charset="-127"/>
+                <a:ea typeface="HY그래픽M" panose="02030600000101010101" pitchFamily="18" charset="-127"/>
+              </a:rPr>
+              <a:t>에서는 스테이지</a:t>
+            </a:r>
+            <a:r>
+              <a:rPr lang="en-US" altLang="ko-KR" b="1" dirty="0">
+                <a:latin typeface="HY그래픽M" panose="02030600000101010101" pitchFamily="18" charset="-127"/>
+                <a:ea typeface="HY그래픽M" panose="02030600000101010101" pitchFamily="18" charset="-127"/>
+              </a:rPr>
+              <a:t>(</a:t>
+            </a:r>
+            <a:r>
+              <a:rPr lang="ko-KR" altLang="en-US" b="1" dirty="0">
+                <a:latin typeface="HY그래픽M" panose="02030600000101010101" pitchFamily="18" charset="-127"/>
+                <a:ea typeface="HY그래픽M" panose="02030600000101010101" pitchFamily="18" charset="-127"/>
+              </a:rPr>
+              <a:t>레벨</a:t>
+            </a:r>
+            <a:r>
+              <a:rPr lang="en-US" altLang="ko-KR" b="1" dirty="0">
+                <a:latin typeface="HY그래픽M" panose="02030600000101010101" pitchFamily="18" charset="-127"/>
+                <a:ea typeface="HY그래픽M" panose="02030600000101010101" pitchFamily="18" charset="-127"/>
+              </a:rPr>
+              <a:t>)</a:t>
+            </a:r>
+            <a:r>
+              <a:rPr lang="ko-KR" altLang="en-US" b="1" dirty="0">
+                <a:latin typeface="HY그래픽M" panose="02030600000101010101" pitchFamily="18" charset="-127"/>
+                <a:ea typeface="HY그래픽M" panose="02030600000101010101" pitchFamily="18" charset="-127"/>
+              </a:rPr>
+              <a:t>간 이동을 </a:t>
+            </a:r>
+            <a:r>
               <a:rPr lang="ko-KR" altLang="en-US" b="1" dirty="0" err="1">
                 <a:latin typeface="HY그래픽M" panose="02030600000101010101" pitchFamily="18" charset="-127"/>
                 <a:ea typeface="HY그래픽M" panose="02030600000101010101" pitchFamily="18" charset="-127"/>
               </a:rPr>
-              <a:t>ㄹ</a:t>
-            </a:r>
+              <a:t>할때</a:t>
+            </a:r>
+            <a:r>
+              <a:rPr lang="ko-KR" altLang="en-US" b="1" dirty="0">
+                <a:latin typeface="HY그래픽M" panose="02030600000101010101" pitchFamily="18" charset="-127"/>
+                <a:ea typeface="HY그래픽M" panose="02030600000101010101" pitchFamily="18" charset="-127"/>
+              </a:rPr>
+              <a:t> </a:t>
+            </a:r>
+            <a:r>
+              <a:rPr lang="ko-KR" altLang="en-US" b="1" dirty="0">
+                <a:solidFill>
+                  <a:schemeClr val="accent4"/>
+                </a:solidFill>
+                <a:latin typeface="HY그래픽M" panose="02030600000101010101" pitchFamily="18" charset="-127"/>
+                <a:ea typeface="HY그래픽M" panose="02030600000101010101" pitchFamily="18" charset="-127"/>
+              </a:rPr>
+              <a:t>로딩 및 </a:t>
+            </a:r>
+            <a:r>
+              <a:rPr lang="ko-KR" altLang="en-US" b="1" dirty="0" err="1">
+                <a:solidFill>
+                  <a:schemeClr val="accent4"/>
+                </a:solidFill>
+                <a:latin typeface="HY그래픽M" panose="02030600000101010101" pitchFamily="18" charset="-127"/>
+                <a:ea typeface="HY그래픽M" panose="02030600000101010101" pitchFamily="18" charset="-127"/>
+              </a:rPr>
+              <a:t>컷신</a:t>
+            </a:r>
+            <a:r>
+              <a:rPr lang="ko-KR" altLang="en-US" b="1" dirty="0" err="1">
+                <a:latin typeface="HY그래픽M" panose="02030600000101010101" pitchFamily="18" charset="-127"/>
+                <a:ea typeface="HY그래픽M" panose="02030600000101010101" pitchFamily="18" charset="-127"/>
+              </a:rPr>
+              <a:t>이</a:t>
+            </a:r>
+            <a:r>
+              <a:rPr lang="ko-KR" altLang="en-US" b="1" dirty="0">
+                <a:latin typeface="HY그래픽M" panose="02030600000101010101" pitchFamily="18" charset="-127"/>
+                <a:ea typeface="HY그래픽M" panose="02030600000101010101" pitchFamily="18" charset="-127"/>
+              </a:rPr>
+              <a:t> 있다</a:t>
+            </a:r>
+            <a:r>
+              <a:rPr lang="en-US" altLang="ko-KR" b="1" dirty="0">
+                <a:latin typeface="HY그래픽M" panose="02030600000101010101" pitchFamily="18" charset="-127"/>
+                <a:ea typeface="HY그래픽M" panose="02030600000101010101" pitchFamily="18" charset="-127"/>
+              </a:rPr>
+              <a:t>.</a:t>
+            </a:r>
+          </a:p>
+          <a:p>
+            <a:pPr marL="285705" indent="-285705">
+              <a:buFontTx/>
+              <a:buChar char="-"/>
+            </a:pPr>
+            <a:endParaRPr lang="en-US" altLang="ko-KR" b="1" dirty="0">
+              <a:latin typeface="HY그래픽M" panose="02030600000101010101" pitchFamily="18" charset="-127"/>
+              <a:ea typeface="HY그래픽M" panose="02030600000101010101" pitchFamily="18" charset="-127"/>
+            </a:endParaRPr>
+          </a:p>
+          <a:p>
+            <a:pPr marL="285705" indent="-285705">
+              <a:buFontTx/>
+              <a:buChar char="-"/>
+            </a:pPr>
+            <a:r>
+              <a:rPr lang="en-US" altLang="ko-KR" b="1" dirty="0">
+                <a:latin typeface="HY그래픽M" panose="02030600000101010101" pitchFamily="18" charset="-127"/>
+                <a:ea typeface="HY그래픽M" panose="02030600000101010101" pitchFamily="18" charset="-127"/>
+              </a:rPr>
+              <a:t>Wa</a:t>
+            </a:r>
+            <a:r>
+              <a:rPr lang="ko-KR" altLang="en-US" b="1" dirty="0">
+                <a:latin typeface="HY그래픽M" panose="02030600000101010101" pitchFamily="18" charset="-127"/>
+                <a:ea typeface="HY그래픽M" panose="02030600000101010101" pitchFamily="18" charset="-127"/>
+              </a:rPr>
+              <a:t>에서 </a:t>
+            </a:r>
+            <a:r>
+              <a:rPr lang="ko-KR" altLang="en-US" b="1" dirty="0">
+                <a:solidFill>
+                  <a:schemeClr val="accent4"/>
+                </a:solidFill>
+                <a:latin typeface="HY그래픽M" panose="02030600000101010101" pitchFamily="18" charset="-127"/>
+                <a:ea typeface="HY그래픽M" panose="02030600000101010101" pitchFamily="18" charset="-127"/>
+              </a:rPr>
+              <a:t>레벨의 특정 구간</a:t>
+            </a:r>
+            <a:r>
+              <a:rPr lang="ko-KR" altLang="en-US" b="1" dirty="0">
+                <a:latin typeface="HY그래픽M" panose="02030600000101010101" pitchFamily="18" charset="-127"/>
+                <a:ea typeface="HY그래픽M" panose="02030600000101010101" pitchFamily="18" charset="-127"/>
+              </a:rPr>
+              <a:t>에서는 상호작용 키나 각종 트리거를 통해 </a:t>
+            </a:r>
+            <a:r>
+              <a:rPr lang="ko-KR" altLang="en-US" b="1" dirty="0">
+                <a:solidFill>
+                  <a:schemeClr val="accent4"/>
+                </a:solidFill>
+                <a:latin typeface="HY그래픽M" panose="02030600000101010101" pitchFamily="18" charset="-127"/>
+                <a:ea typeface="HY그래픽M" panose="02030600000101010101" pitchFamily="18" charset="-127"/>
+              </a:rPr>
+              <a:t>이벤트를 발생</a:t>
+            </a:r>
+            <a:r>
+              <a:rPr lang="ko-KR" altLang="en-US" b="1" dirty="0">
+                <a:latin typeface="HY그래픽M" panose="02030600000101010101" pitchFamily="18" charset="-127"/>
+                <a:ea typeface="HY그래픽M" panose="02030600000101010101" pitchFamily="18" charset="-127"/>
+              </a:rPr>
+              <a:t>시킬 수 </a:t>
+            </a:r>
+            <a:r>
+              <a:rPr lang="ko-KR" altLang="en-US" b="1" dirty="0" err="1">
+                <a:latin typeface="HY그래픽M" panose="02030600000101010101" pitchFamily="18" charset="-127"/>
+                <a:ea typeface="HY그래픽M" panose="02030600000101010101" pitchFamily="18" charset="-127"/>
+              </a:rPr>
+              <a:t>도있다</a:t>
+            </a:r>
+            <a:r>
+              <a:rPr lang="en-US" altLang="ko-KR" b="1" dirty="0">
+                <a:latin typeface="HY그래픽M" panose="02030600000101010101" pitchFamily="18" charset="-127"/>
+                <a:ea typeface="HY그래픽M" panose="02030600000101010101" pitchFamily="18" charset="-127"/>
+              </a:rPr>
+              <a:t>.</a:t>
+            </a:r>
+            <a:r>
+              <a:rPr lang="ko-KR" altLang="en-US" b="1" dirty="0">
+                <a:latin typeface="HY그래픽M" panose="02030600000101010101" pitchFamily="18" charset="-127"/>
+                <a:ea typeface="HY그래픽M" panose="02030600000101010101" pitchFamily="18" charset="-127"/>
+              </a:rPr>
+              <a:t> </a:t>
+            </a:r>
+            <a:endParaRPr lang="en-US" altLang="ko-KR" b="1" dirty="0">
+              <a:latin typeface="HY그래픽M" panose="02030600000101010101" pitchFamily="18" charset="-127"/>
+              <a:ea typeface="HY그래픽M" panose="02030600000101010101" pitchFamily="18" charset="-127"/>
+            </a:endParaRPr>
+          </a:p>
+          <a:p>
+            <a:endParaRPr lang="en-US" altLang="ko-KR" b="1" dirty="0">
+              <a:latin typeface="HY그래픽M" panose="02030600000101010101" pitchFamily="18" charset="-127"/>
+              <a:ea typeface="HY그래픽M" panose="02030600000101010101" pitchFamily="18" charset="-127"/>
+            </a:endParaRPr>
+          </a:p>
+          <a:p>
+            <a:pPr marL="2114505" lvl="4" indent="-285705">
+              <a:buFontTx/>
+              <a:buChar char="-"/>
+            </a:pPr>
             <a:endParaRPr lang="en-US" altLang="ko-KR" b="1" dirty="0">
               <a:latin typeface="HY그래픽M" panose="02030600000101010101" pitchFamily="18" charset="-127"/>
               <a:ea typeface="HY그래픽M" panose="02030600000101010101" pitchFamily="18" charset="-127"/>
@@ -4398,7 +4620,7 @@
                 <a:latin typeface="메이플스토리" panose="02000300000000000000" pitchFamily="2" charset="-127"/>
                 <a:ea typeface="메이플스토리" panose="02000300000000000000" pitchFamily="2" charset="-127"/>
               </a:rPr>
-              <a:t>룸 구성 예상도</a:t>
+              <a:t>스테이지 내 룸의 구성 예상도</a:t>
             </a:r>
             <a:endParaRPr lang="en-US" altLang="ko-KR" b="1" dirty="0">
               <a:latin typeface="메이플스토리" panose="02000300000000000000" pitchFamily="2" charset="-127"/>
@@ -4666,7 +4888,7 @@
         <p:spPr>
           <a:xfrm>
             <a:off x="101601" y="1445888"/>
-            <a:ext cx="13937577" cy="3416320"/>
+            <a:ext cx="13937577" cy="3139321"/>
           </a:xfrm>
           <a:prstGeom prst="rect">
             <a:avLst/>
@@ -4814,131 +5036,6 @@
             </a:r>
           </a:p>
           <a:p>
-            <a:pPr marL="285705" indent="-285705">
-              <a:buFontTx/>
-              <a:buChar char="-"/>
-            </a:pPr>
-            <a:endParaRPr lang="en-US" altLang="ko-KR" b="1" dirty="0">
-              <a:latin typeface="HY그래픽M" panose="02030600000101010101" pitchFamily="18" charset="-127"/>
-              <a:ea typeface="HY그래픽M" panose="02030600000101010101" pitchFamily="18" charset="-127"/>
-            </a:endParaRPr>
-          </a:p>
-          <a:p>
-            <a:pPr marL="285705" indent="-285705">
-              <a:buFontTx/>
-              <a:buChar char="-"/>
-            </a:pPr>
-            <a:r>
-              <a:rPr lang="ko-KR" altLang="en-US" b="1" dirty="0">
-                <a:latin typeface="HY그래픽M" panose="02030600000101010101" pitchFamily="18" charset="-127"/>
-                <a:ea typeface="HY그래픽M" panose="02030600000101010101" pitchFamily="18" charset="-127"/>
-              </a:rPr>
-              <a:t> 배치된 퍼즐은 </a:t>
-            </a:r>
-            <a:r>
-              <a:rPr lang="ko-KR" altLang="en-US" b="1" dirty="0">
-                <a:solidFill>
-                  <a:schemeClr val="accent4"/>
-                </a:solidFill>
-                <a:latin typeface="HY그래픽M" panose="02030600000101010101" pitchFamily="18" charset="-127"/>
-                <a:ea typeface="HY그래픽M" panose="02030600000101010101" pitchFamily="18" charset="-127"/>
-              </a:rPr>
-              <a:t>리셋 퍼즐</a:t>
-            </a:r>
-            <a:r>
-              <a:rPr lang="en-US" altLang="ko-KR" b="1" dirty="0">
-                <a:solidFill>
-                  <a:schemeClr val="accent4"/>
-                </a:solidFill>
-                <a:latin typeface="HY그래픽M" panose="02030600000101010101" pitchFamily="18" charset="-127"/>
-                <a:ea typeface="HY그래픽M" panose="02030600000101010101" pitchFamily="18" charset="-127"/>
-              </a:rPr>
-              <a:t>/</a:t>
-            </a:r>
-            <a:r>
-              <a:rPr lang="ko-KR" altLang="en-US" b="1" dirty="0" err="1">
-                <a:solidFill>
-                  <a:schemeClr val="accent4"/>
-                </a:solidFill>
-                <a:latin typeface="HY그래픽M" panose="02030600000101010101" pitchFamily="18" charset="-127"/>
-                <a:ea typeface="HY그래픽M" panose="02030600000101010101" pitchFamily="18" charset="-127"/>
-              </a:rPr>
-              <a:t>비리셋</a:t>
-            </a:r>
-            <a:r>
-              <a:rPr lang="ko-KR" altLang="en-US" b="1" dirty="0">
-                <a:solidFill>
-                  <a:schemeClr val="accent4"/>
-                </a:solidFill>
-                <a:latin typeface="HY그래픽M" panose="02030600000101010101" pitchFamily="18" charset="-127"/>
-                <a:ea typeface="HY그래픽M" panose="02030600000101010101" pitchFamily="18" charset="-127"/>
-              </a:rPr>
-              <a:t> 퍼즐로 </a:t>
-            </a:r>
-            <a:r>
-              <a:rPr lang="ko-KR" altLang="en-US" b="1" dirty="0" err="1">
-                <a:solidFill>
-                  <a:schemeClr val="accent4"/>
-                </a:solidFill>
-                <a:latin typeface="HY그래픽M" panose="02030600000101010101" pitchFamily="18" charset="-127"/>
-                <a:ea typeface="HY그래픽M" panose="02030600000101010101" pitchFamily="18" charset="-127"/>
-              </a:rPr>
-              <a:t>구분</a:t>
-            </a:r>
-            <a:r>
-              <a:rPr lang="ko-KR" altLang="en-US" b="1" dirty="0" err="1">
-                <a:latin typeface="HY그래픽M" panose="02030600000101010101" pitchFamily="18" charset="-127"/>
-                <a:ea typeface="HY그래픽M" panose="02030600000101010101" pitchFamily="18" charset="-127"/>
-              </a:rPr>
-              <a:t>되어있고</a:t>
-            </a:r>
-            <a:r>
-              <a:rPr lang="en-US" altLang="ko-KR" b="1" dirty="0">
-                <a:latin typeface="HY그래픽M" panose="02030600000101010101" pitchFamily="18" charset="-127"/>
-                <a:ea typeface="HY그래픽M" panose="02030600000101010101" pitchFamily="18" charset="-127"/>
-              </a:rPr>
-              <a:t>, </a:t>
-            </a:r>
-            <a:r>
-              <a:rPr lang="ko-KR" altLang="en-US" b="1" dirty="0">
-                <a:solidFill>
-                  <a:schemeClr val="accent4"/>
-                </a:solidFill>
-                <a:latin typeface="HY그래픽M" panose="02030600000101010101" pitchFamily="18" charset="-127"/>
-                <a:ea typeface="HY그래픽M" panose="02030600000101010101" pitchFamily="18" charset="-127"/>
-              </a:rPr>
-              <a:t>리셋 퍼즐들만 </a:t>
-            </a:r>
-            <a:r>
-              <a:rPr lang="ko-KR" altLang="en-US" b="1" dirty="0" err="1">
-                <a:solidFill>
-                  <a:schemeClr val="accent4"/>
-                </a:solidFill>
-                <a:latin typeface="HY그래픽M" panose="02030600000101010101" pitchFamily="18" charset="-127"/>
-                <a:ea typeface="HY그래픽M" panose="02030600000101010101" pitchFamily="18" charset="-127"/>
-              </a:rPr>
-              <a:t>리셋</a:t>
-            </a:r>
-            <a:r>
-              <a:rPr lang="ko-KR" altLang="en-US" b="1" dirty="0" err="1">
-                <a:latin typeface="HY그래픽M" panose="02030600000101010101" pitchFamily="18" charset="-127"/>
-                <a:ea typeface="HY그래픽M" panose="02030600000101010101" pitchFamily="18" charset="-127"/>
-              </a:rPr>
-              <a:t>된다</a:t>
-            </a:r>
-            <a:r>
-              <a:rPr lang="en-US" altLang="ko-KR" b="1" dirty="0">
-                <a:latin typeface="HY그래픽M" panose="02030600000101010101" pitchFamily="18" charset="-127"/>
-                <a:ea typeface="HY그래픽M" panose="02030600000101010101" pitchFamily="18" charset="-127"/>
-              </a:rPr>
-              <a:t>.</a:t>
-            </a:r>
-          </a:p>
-          <a:p>
-            <a:pPr marL="285705" indent="-285705">
-              <a:buFontTx/>
-              <a:buChar char="-"/>
-            </a:pPr>
             <a:endParaRPr lang="en-US" altLang="ko-KR" b="1" dirty="0">
               <a:latin typeface="HY그래픽M" panose="02030600000101010101" pitchFamily="18" charset="-127"/>
               <a:ea typeface="HY그래픽M" panose="02030600000101010101" pitchFamily="18" charset="-127"/>
@@ -5083,16 +5180,69 @@
               </a:rPr>
               <a:t>.</a:t>
             </a:r>
+          </a:p>
+          <a:p>
+            <a:pPr marL="285705" indent="-285705">
+              <a:buFontTx/>
+              <a:buChar char="-"/>
+            </a:pPr>
             <a:endParaRPr lang="en-US" altLang="ko-KR" b="1" dirty="0">
+              <a:solidFill>
+                <a:schemeClr val="accent4"/>
+              </a:solidFill>
               <a:latin typeface="HY그래픽M" panose="02030600000101010101" pitchFamily="18" charset="-127"/>
               <a:ea typeface="HY그래픽M" panose="02030600000101010101" pitchFamily="18" charset="-127"/>
             </a:endParaRPr>
           </a:p>
           <a:p>
-            <a:endParaRPr lang="en-US" altLang="ko-KR" b="1" dirty="0">
-              <a:latin typeface="HY그래픽M" panose="02030600000101010101" pitchFamily="18" charset="-127"/>
-              <a:ea typeface="HY그래픽M" panose="02030600000101010101" pitchFamily="18" charset="-127"/>
-            </a:endParaRPr>
+            <a:pPr marL="285705" indent="-285705">
+              <a:buFontTx/>
+              <a:buChar char="-"/>
+            </a:pPr>
+            <a:r>
+              <a:rPr lang="ko-KR" altLang="en-US" b="1" dirty="0">
+                <a:latin typeface="HY그래픽M" panose="02030600000101010101" pitchFamily="18" charset="-127"/>
+                <a:ea typeface="HY그래픽M" panose="02030600000101010101" pitchFamily="18" charset="-127"/>
+              </a:rPr>
+              <a:t>이미 </a:t>
+            </a:r>
+            <a:r>
+              <a:rPr lang="ko-KR" altLang="en-US" b="1" dirty="0">
+                <a:solidFill>
+                  <a:schemeClr val="accent4"/>
+                </a:solidFill>
+                <a:latin typeface="HY그래픽M" panose="02030600000101010101" pitchFamily="18" charset="-127"/>
+                <a:ea typeface="HY그래픽M" panose="02030600000101010101" pitchFamily="18" charset="-127"/>
+              </a:rPr>
+              <a:t>클리어한 룸의 경우</a:t>
+            </a:r>
+            <a:r>
+              <a:rPr lang="ko-KR" altLang="en-US" b="1" dirty="0">
+                <a:latin typeface="HY그래픽M" panose="02030600000101010101" pitchFamily="18" charset="-127"/>
+                <a:ea typeface="HY그래픽M" panose="02030600000101010101" pitchFamily="18" charset="-127"/>
+              </a:rPr>
+              <a:t>는 위의 두 트리거가 발동해도 </a:t>
+            </a:r>
+            <a:r>
+              <a:rPr lang="ko-KR" altLang="en-US" b="1" dirty="0">
+                <a:solidFill>
+                  <a:schemeClr val="accent4"/>
+                </a:solidFill>
+                <a:latin typeface="HY그래픽M" panose="02030600000101010101" pitchFamily="18" charset="-127"/>
+                <a:ea typeface="HY그래픽M" panose="02030600000101010101" pitchFamily="18" charset="-127"/>
+              </a:rPr>
+              <a:t>룸의 리셋이 일어나지 않는다</a:t>
+            </a:r>
+            <a:r>
+              <a:rPr lang="en-US" altLang="ko-KR" b="1" dirty="0">
+                <a:solidFill>
+                  <a:schemeClr val="accent4"/>
+                </a:solidFill>
+                <a:latin typeface="HY그래픽M" panose="02030600000101010101" pitchFamily="18" charset="-127"/>
+                <a:ea typeface="HY그래픽M" panose="02030600000101010101" pitchFamily="18" charset="-127"/>
+              </a:rPr>
+              <a:t>.</a:t>
+            </a:r>
           </a:p>
         </p:txBody>
       </p:sp>
@@ -6083,62 +6233,6 @@
       </p:grpSpPr>
       <p:sp>
         <p:nvSpPr>
-          <p:cNvPr id="24" name="직사각형 23">
-            <a:extLst>
-              <a:ext uri="{FF2B5EF4-FFF2-40B4-BE49-F238E27FC236}">
-                <a16:creationId xmlns:a16="http://schemas.microsoft.com/office/drawing/2014/main" id="{AE422CEF-42B4-427C-A9D4-DCEB9ADB622E}"/>
-              </a:ext>
-            </a:extLst>
-          </p:cNvPr>
-          <p:cNvSpPr/>
-          <p:nvPr/>
-        </p:nvSpPr>
-        <p:spPr>
-          <a:xfrm>
-            <a:off x="214222" y="4863885"/>
-            <a:ext cx="9195272" cy="3754929"/>
-          </a:xfrm>
-          <a:prstGeom prst="rect">
-            <a:avLst/>
-          </a:prstGeom>
-          <a:solidFill>
-            <a:schemeClr val="bg1">
-              <a:alpha val="20000"/>
-            </a:schemeClr>
-          </a:solidFill>
-          <a:ln>
-            <a:solidFill>
-              <a:schemeClr val="bg1"/>
-            </a:solidFill>
-          </a:ln>
-        </p:spPr>
-        <p:style>
-          <a:lnRef idx="2">
-            <a:schemeClr val="accent1">
-              <a:shade val="50000"/>
-            </a:schemeClr>
-          </a:lnRef>
-          <a:fillRef idx="1">
-            <a:schemeClr val="accent1"/>
-          </a:fillRef>
-          <a:effectRef idx="0">
-            <a:schemeClr val="accent1"/>
-          </a:effectRef>
-          <a:fontRef idx="minor">
-            <a:schemeClr val="lt1"/>
-          </a:fontRef>
-        </p:style>
-        <p:txBody>
-          <a:bodyPr rtlCol="0" anchor="ctr"/>
-          <a:lstStyle/>
-          <a:p>
-            <a:pPr algn="ctr"/>
-            <a:endParaRPr lang="ko-KR" altLang="en-US"/>
-          </a:p>
-        </p:txBody>
-      </p:sp>
-      <p:sp>
-        <p:nvSpPr>
           <p:cNvPr id="4" name="직사각형 3">
             <a:extLst>
               <a:ext uri="{FF2B5EF4-FFF2-40B4-BE49-F238E27FC236}">
@@ -6254,7 +6348,7 @@
         <p:spPr>
           <a:xfrm>
             <a:off x="101601" y="1445888"/>
-            <a:ext cx="13937577" cy="2862322"/>
+            <a:ext cx="17406942" cy="2308324"/>
           </a:xfrm>
           <a:prstGeom prst="rect">
             <a:avLst/>
@@ -6418,6 +6512,10 @@
               </a:rPr>
               <a:t>.)</a:t>
             </a:r>
+            <a:endParaRPr lang="en-US" altLang="ko-KR" b="1" dirty="0">
+              <a:latin typeface="HY그래픽M" panose="02030600000101010101" pitchFamily="18" charset="-127"/>
+              <a:ea typeface="HY그래픽M" panose="02030600000101010101" pitchFamily="18" charset="-127"/>
+            </a:endParaRPr>
           </a:p>
           <a:p>
             <a:pPr marL="285705" indent="-285705">
@@ -6439,7 +6537,21 @@
                 <a:latin typeface="HY그래픽M" panose="02030600000101010101" pitchFamily="18" charset="-127"/>
                 <a:ea typeface="HY그래픽M" panose="02030600000101010101" pitchFamily="18" charset="-127"/>
               </a:rPr>
-              <a:t>플레이어 캐릭터가 벽에 가려진 경우 </a:t>
+              <a:t>초기에 레벨에 </a:t>
+            </a:r>
+            <a:r>
+              <a:rPr lang="ko-KR" altLang="en-US" b="1" dirty="0" err="1">
+                <a:latin typeface="HY그래픽M" panose="02030600000101010101" pitchFamily="18" charset="-127"/>
+                <a:ea typeface="HY그래픽M" panose="02030600000101010101" pitchFamily="18" charset="-127"/>
+              </a:rPr>
+              <a:t>진입시</a:t>
+            </a:r>
+            <a:r>
+              <a:rPr lang="ko-KR" altLang="en-US" b="1" dirty="0">
+                <a:latin typeface="HY그래픽M" panose="02030600000101010101" pitchFamily="18" charset="-127"/>
+                <a:ea typeface="HY그래픽M" panose="02030600000101010101" pitchFamily="18" charset="-127"/>
+              </a:rPr>
+              <a:t> </a:t>
             </a:r>
             <a:r>
               <a:rPr lang="ko-KR" altLang="en-US" b="1" dirty="0">
@@ -6449,7 +6561,47 @@
                 <a:latin typeface="HY그래픽M" panose="02030600000101010101" pitchFamily="18" charset="-127"/>
                 <a:ea typeface="HY그래픽M" panose="02030600000101010101" pitchFamily="18" charset="-127"/>
               </a:rPr>
-              <a:t>해당 벽을 보이지 않게 </a:t>
+              <a:t>룸</a:t>
+            </a:r>
+            <a:r>
+              <a:rPr lang="en-US" altLang="ko-KR" b="1" dirty="0">
+                <a:solidFill>
+                  <a:schemeClr val="accent4"/>
+                </a:solidFill>
+                <a:latin typeface="HY그래픽M" panose="02030600000101010101" pitchFamily="18" charset="-127"/>
+                <a:ea typeface="HY그래픽M" panose="02030600000101010101" pitchFamily="18" charset="-127"/>
+              </a:rPr>
+              <a:t>1(</a:t>
+            </a:r>
+            <a:r>
+              <a:rPr lang="ko-KR" altLang="en-US" b="1" dirty="0">
+                <a:solidFill>
+                  <a:schemeClr val="accent4"/>
+                </a:solidFill>
+                <a:latin typeface="HY그래픽M" panose="02030600000101010101" pitchFamily="18" charset="-127"/>
+                <a:ea typeface="HY그래픽M" panose="02030600000101010101" pitchFamily="18" charset="-127"/>
+              </a:rPr>
+              <a:t>해당 레벨의 초기위치</a:t>
+            </a:r>
+            <a:r>
+              <a:rPr lang="en-US" altLang="ko-KR" b="1" dirty="0">
+                <a:solidFill>
+                  <a:schemeClr val="accent4"/>
+                </a:solidFill>
+                <a:latin typeface="HY그래픽M" panose="02030600000101010101" pitchFamily="18" charset="-127"/>
+                <a:ea typeface="HY그래픽M" panose="02030600000101010101" pitchFamily="18" charset="-127"/>
+              </a:rPr>
+              <a:t>) </a:t>
+            </a:r>
+            <a:r>
+              <a:rPr lang="ko-KR" altLang="en-US" b="1" dirty="0">
+                <a:solidFill>
+                  <a:schemeClr val="accent4"/>
+                </a:solidFill>
+                <a:latin typeface="HY그래픽M" panose="02030600000101010101" pitchFamily="18" charset="-127"/>
+                <a:ea typeface="HY그래픽M" panose="02030600000101010101" pitchFamily="18" charset="-127"/>
+              </a:rPr>
+              <a:t>외에는 전부 보이지 않게 처리</a:t>
             </a:r>
             <a:r>
               <a:rPr lang="ko-KR" altLang="en-US" b="1" dirty="0">
@@ -6465,66 +6617,6 @@
               </a:rPr>
               <a:t>.</a:t>
             </a:r>
-          </a:p>
-          <a:p>
-            <a:r>
-              <a:rPr lang="en-US" altLang="ko-KR" b="1" dirty="0">
-                <a:solidFill>
-                  <a:schemeClr val="bg1"/>
-                </a:solidFill>
-                <a:latin typeface="HY그래픽M" panose="02030600000101010101" pitchFamily="18" charset="-127"/>
-                <a:ea typeface="HY그래픽M" panose="02030600000101010101" pitchFamily="18" charset="-127"/>
-              </a:rPr>
-              <a:t>(</a:t>
-            </a:r>
-            <a:r>
-              <a:rPr lang="ko-KR" altLang="en-US" b="1" dirty="0">
-                <a:solidFill>
-                  <a:schemeClr val="bg1"/>
-                </a:solidFill>
-                <a:latin typeface="HY그래픽M" panose="02030600000101010101" pitchFamily="18" charset="-127"/>
-                <a:ea typeface="HY그래픽M" panose="02030600000101010101" pitchFamily="18" charset="-127"/>
-              </a:rPr>
-              <a:t>즉각적으로 벽이 사라졌다가 나타났다가 하면 어색하다</a:t>
-            </a:r>
-            <a:r>
-              <a:rPr lang="en-US" altLang="ko-KR" b="1" dirty="0">
-                <a:solidFill>
-                  <a:schemeClr val="bg1"/>
-                </a:solidFill>
-                <a:latin typeface="HY그래픽M" panose="02030600000101010101" pitchFamily="18" charset="-127"/>
-                <a:ea typeface="HY그래픽M" panose="02030600000101010101" pitchFamily="18" charset="-127"/>
-              </a:rPr>
-              <a:t>.</a:t>
-            </a:r>
-          </a:p>
-          <a:p>
-            <a:r>
-              <a:rPr lang="ko-KR" altLang="en-US" b="1" dirty="0">
-                <a:solidFill>
-                  <a:schemeClr val="bg1"/>
-                </a:solidFill>
-                <a:latin typeface="HY그래픽M" panose="02030600000101010101" pitchFamily="18" charset="-127"/>
-                <a:ea typeface="HY그래픽M" panose="02030600000101010101" pitchFamily="18" charset="-127"/>
-              </a:rPr>
-              <a:t>벽과의 거리 혹은 벽과 인접한 시간에 따라 점점 벽의 투명도를 바꾸는 형식이다</a:t>
-            </a:r>
-            <a:r>
-              <a:rPr lang="en-US" altLang="ko-KR" b="1" dirty="0">
-                <a:solidFill>
-                  <a:schemeClr val="bg1"/>
-                </a:solidFill>
-                <a:latin typeface="HY그래픽M" panose="02030600000101010101" pitchFamily="18" charset="-127"/>
-                <a:ea typeface="HY그래픽M" panose="02030600000101010101" pitchFamily="18" charset="-127"/>
-              </a:rPr>
-              <a:t>.)</a:t>
-            </a:r>
-          </a:p>
-          <a:p>
-            <a:endParaRPr lang="en-US" altLang="ko-KR" b="1" dirty="0">
-              <a:latin typeface="HY그래픽M" panose="02030600000101010101" pitchFamily="18" charset="-127"/>
-              <a:ea typeface="HY그래픽M" panose="02030600000101010101" pitchFamily="18" charset="-127"/>
-            </a:endParaRPr>
           </a:p>
           <a:p>
             <a:pPr marL="285705" indent="-285705">
@@ -6541,6 +6633,77 @@
               <a:buFontTx/>
               <a:buChar char="-"/>
             </a:pPr>
+            <a:r>
+              <a:rPr lang="ko-KR" altLang="en-US" b="1" dirty="0">
+                <a:latin typeface="HY그래픽M" panose="02030600000101010101" pitchFamily="18" charset="-127"/>
+                <a:ea typeface="HY그래픽M" panose="02030600000101010101" pitchFamily="18" charset="-127"/>
+              </a:rPr>
+              <a:t>후에 </a:t>
+            </a:r>
+            <a:r>
+              <a:rPr lang="en-US" altLang="ko-KR" b="1" dirty="0">
+                <a:latin typeface="HY그래픽M" panose="02030600000101010101" pitchFamily="18" charset="-127"/>
+                <a:ea typeface="HY그래픽M" panose="02030600000101010101" pitchFamily="18" charset="-127"/>
+              </a:rPr>
+              <a:t>Gate</a:t>
+            </a:r>
+            <a:r>
+              <a:rPr lang="ko-KR" altLang="en-US" b="1" dirty="0">
+                <a:latin typeface="HY그래픽M" panose="02030600000101010101" pitchFamily="18" charset="-127"/>
+                <a:ea typeface="HY그래픽M" panose="02030600000101010101" pitchFamily="18" charset="-127"/>
+              </a:rPr>
+              <a:t>를 통해 </a:t>
+            </a:r>
+            <a:r>
+              <a:rPr lang="ko-KR" altLang="en-US" b="1" dirty="0">
+                <a:solidFill>
+                  <a:schemeClr val="accent4"/>
+                </a:solidFill>
+                <a:latin typeface="HY그래픽M" panose="02030600000101010101" pitchFamily="18" charset="-127"/>
+                <a:ea typeface="HY그래픽M" panose="02030600000101010101" pitchFamily="18" charset="-127"/>
+              </a:rPr>
+              <a:t>룸을 이동할 때 기존에 있던 룸은 보이지 않게 </a:t>
+            </a:r>
+            <a:r>
+              <a:rPr lang="ko-KR" altLang="en-US" b="1" dirty="0">
+                <a:latin typeface="HY그래픽M" panose="02030600000101010101" pitchFamily="18" charset="-127"/>
+                <a:ea typeface="HY그래픽M" panose="02030600000101010101" pitchFamily="18" charset="-127"/>
+              </a:rPr>
+              <a:t>하고</a:t>
+            </a:r>
+            <a:r>
+              <a:rPr lang="en-US" altLang="ko-KR" b="1" dirty="0">
+                <a:latin typeface="HY그래픽M" panose="02030600000101010101" pitchFamily="18" charset="-127"/>
+                <a:ea typeface="HY그래픽M" panose="02030600000101010101" pitchFamily="18" charset="-127"/>
+              </a:rPr>
+              <a:t>, </a:t>
+            </a:r>
+            <a:r>
+              <a:rPr lang="ko-KR" altLang="en-US" b="1" dirty="0">
+                <a:solidFill>
+                  <a:schemeClr val="accent4"/>
+                </a:solidFill>
+                <a:latin typeface="HY그래픽M" panose="02030600000101010101" pitchFamily="18" charset="-127"/>
+                <a:ea typeface="HY그래픽M" panose="02030600000101010101" pitchFamily="18" charset="-127"/>
+              </a:rPr>
+              <a:t>새로운 룸은 보여지도록 </a:t>
+            </a:r>
+            <a:r>
+              <a:rPr lang="ko-KR" altLang="en-US" b="1" dirty="0">
+                <a:latin typeface="HY그래픽M" panose="02030600000101010101" pitchFamily="18" charset="-127"/>
+                <a:ea typeface="HY그래픽M" panose="02030600000101010101" pitchFamily="18" charset="-127"/>
+              </a:rPr>
+              <a:t>처리한다</a:t>
+            </a:r>
+            <a:r>
+              <a:rPr lang="en-US" altLang="ko-KR" b="1" dirty="0">
+                <a:latin typeface="HY그래픽M" panose="02030600000101010101" pitchFamily="18" charset="-127"/>
+                <a:ea typeface="HY그래픽M" panose="02030600000101010101" pitchFamily="18" charset="-127"/>
+              </a:rPr>
+              <a:t>.</a:t>
+            </a:r>
+          </a:p>
+          <a:p>
             <a:endParaRPr lang="en-US" altLang="ko-KR" b="1" dirty="0">
               <a:latin typeface="HY그래픽M" panose="02030600000101010101" pitchFamily="18" charset="-127"/>
               <a:ea typeface="HY그래픽M" panose="02030600000101010101" pitchFamily="18" charset="-127"/>
@@ -6568,7 +6731,7 @@
         </p:nvGrpSpPr>
         <p:grpSpPr>
           <a:xfrm>
-            <a:off x="10315172" y="4863885"/>
+            <a:off x="101601" y="5594374"/>
             <a:ext cx="6722367" cy="3754929"/>
             <a:chOff x="3978657" y="4079401"/>
             <a:chExt cx="9044839" cy="5052200"/>
@@ -7199,525 +7362,6 @@
           </p:txBody>
         </p:sp>
       </p:grpSp>
-      <p:pic>
-        <p:nvPicPr>
-          <p:cNvPr id="20" name="Picture 2">
-            <a:extLst>
-              <a:ext uri="{FF2B5EF4-FFF2-40B4-BE49-F238E27FC236}">
-                <a16:creationId xmlns:a16="http://schemas.microsoft.com/office/drawing/2014/main" id="{66C22B20-0F4D-40CE-AA00-97CC3CDC5F93}"/>
-              </a:ext>
-            </a:extLst>
-          </p:cNvPr>
-          <p:cNvPicPr>
-            <a:picLocks noChangeAspect="1" noChangeArrowheads="1"/>
-          </p:cNvPicPr>
-          <p:nvPr/>
-        </p:nvPicPr>
-        <p:blipFill>
-          <a:blip r:embed="rId3">
-            <a:extLst>
-              <a:ext uri="{28A0092B-C50C-407E-A947-70E740481C1C}">
-                <a14:useLocalDpi xmlns:a14="http://schemas.microsoft.com/office/drawing/2010/main" val="0"/>
-              </a:ext>
-            </a:extLst>
-          </a:blip>
-          <a:srcRect/>
-          <a:stretch>
-            <a:fillRect/>
-          </a:stretch>
-        </p:blipFill>
-        <p:spPr bwMode="auto">
-          <a:xfrm>
-            <a:off x="1001727" y="6205138"/>
-            <a:ext cx="839555" cy="893663"/>
-          </a:xfrm>
-          <a:prstGeom prst="rect">
-            <a:avLst/>
-          </a:prstGeom>
-          <a:noFill/>
-          <a:extLst>
-            <a:ext uri="{909E8E84-426E-40DD-AFC4-6F175D3DCCD1}">
-              <a14:hiddenFill xmlns:a14="http://schemas.microsoft.com/office/drawing/2010/main">
-                <a:solidFill>
-                  <a:srgbClr val="FFFFFF"/>
-                </a:solidFill>
-              </a14:hiddenFill>
-            </a:ext>
-          </a:extLst>
-        </p:spPr>
-      </p:pic>
-      <p:sp>
-        <p:nvSpPr>
-          <p:cNvPr id="2" name="직사각형 1">
-            <a:extLst>
-              <a:ext uri="{FF2B5EF4-FFF2-40B4-BE49-F238E27FC236}">
-                <a16:creationId xmlns:a16="http://schemas.microsoft.com/office/drawing/2014/main" id="{DBF58D02-EDB4-4BD0-9DE4-AC9C6652C6FD}"/>
-              </a:ext>
-            </a:extLst>
-          </p:cNvPr>
-          <p:cNvSpPr/>
-          <p:nvPr/>
-        </p:nvSpPr>
-        <p:spPr>
-          <a:xfrm>
-            <a:off x="685026" y="7169496"/>
-            <a:ext cx="1472958" cy="969031"/>
-          </a:xfrm>
-          <a:prstGeom prst="rect">
-            <a:avLst/>
-          </a:prstGeom>
-          <a:solidFill>
-            <a:schemeClr val="tx2">
-              <a:lumMod val="50000"/>
-            </a:schemeClr>
-          </a:solidFill>
-          <a:ln>
-            <a:solidFill>
-              <a:schemeClr val="tx1"/>
-            </a:solidFill>
-          </a:ln>
-        </p:spPr>
-        <p:style>
-          <a:lnRef idx="2">
-            <a:schemeClr val="accent1">
-              <a:shade val="50000"/>
-            </a:schemeClr>
-          </a:lnRef>
-          <a:fillRef idx="1">
-            <a:schemeClr val="accent1"/>
-          </a:fillRef>
-          <a:effectRef idx="0">
-            <a:schemeClr val="accent1"/>
-          </a:effectRef>
-          <a:fontRef idx="minor">
-            <a:schemeClr val="lt1"/>
-          </a:fontRef>
-        </p:style>
-        <p:txBody>
-          <a:bodyPr rtlCol="0" anchor="ctr"/>
-          <a:lstStyle/>
-          <a:p>
-            <a:pPr algn="ctr"/>
-            <a:endParaRPr lang="ko-KR" altLang="en-US"/>
-          </a:p>
-        </p:txBody>
-      </p:sp>
-      <p:pic>
-        <p:nvPicPr>
-          <p:cNvPr id="31" name="Picture 2">
-            <a:extLst>
-              <a:ext uri="{FF2B5EF4-FFF2-40B4-BE49-F238E27FC236}">
-                <a16:creationId xmlns:a16="http://schemas.microsoft.com/office/drawing/2014/main" id="{7B38F188-A1C1-4EAA-95AC-51EB9A6BE763}"/>
-              </a:ext>
-            </a:extLst>
-          </p:cNvPr>
-          <p:cNvPicPr>
-            <a:picLocks noChangeAspect="1" noChangeArrowheads="1"/>
-          </p:cNvPicPr>
-          <p:nvPr/>
-        </p:nvPicPr>
-        <p:blipFill>
-          <a:blip r:embed="rId3">
-            <a:extLst>
-              <a:ext uri="{28A0092B-C50C-407E-A947-70E740481C1C}">
-                <a14:useLocalDpi xmlns:a14="http://schemas.microsoft.com/office/drawing/2010/main" val="0"/>
-              </a:ext>
-            </a:extLst>
-          </a:blip>
-          <a:srcRect/>
-          <a:stretch>
-            <a:fillRect/>
-          </a:stretch>
-        </p:blipFill>
-        <p:spPr bwMode="auto">
-          <a:xfrm>
-            <a:off x="2696206" y="6469803"/>
-            <a:ext cx="839555" cy="893663"/>
-          </a:xfrm>
-          <a:prstGeom prst="rect">
-            <a:avLst/>
-          </a:prstGeom>
-          <a:noFill/>
-          <a:extLst>
-            <a:ext uri="{909E8E84-426E-40DD-AFC4-6F175D3DCCD1}">
-              <a14:hiddenFill xmlns:a14="http://schemas.microsoft.com/office/drawing/2010/main">
-                <a:solidFill>
-                  <a:srgbClr val="FFFFFF"/>
-                </a:solidFill>
-              </a14:hiddenFill>
-            </a:ext>
-          </a:extLst>
-        </p:spPr>
-      </p:pic>
-      <p:sp>
-        <p:nvSpPr>
-          <p:cNvPr id="32" name="직사각형 31">
-            <a:extLst>
-              <a:ext uri="{FF2B5EF4-FFF2-40B4-BE49-F238E27FC236}">
-                <a16:creationId xmlns:a16="http://schemas.microsoft.com/office/drawing/2014/main" id="{F76F29BE-B6BD-42D0-BE58-8927CA369FCA}"/>
-              </a:ext>
-            </a:extLst>
-          </p:cNvPr>
-          <p:cNvSpPr/>
-          <p:nvPr/>
-        </p:nvSpPr>
-        <p:spPr>
-          <a:xfrm>
-            <a:off x="2379505" y="7169496"/>
-            <a:ext cx="1472958" cy="969031"/>
-          </a:xfrm>
-          <a:prstGeom prst="rect">
-            <a:avLst/>
-          </a:prstGeom>
-          <a:solidFill>
-            <a:schemeClr val="tx2">
-              <a:lumMod val="50000"/>
-              <a:alpha val="75000"/>
-            </a:schemeClr>
-          </a:solidFill>
-          <a:ln>
-            <a:solidFill>
-              <a:schemeClr val="tx1"/>
-            </a:solidFill>
-          </a:ln>
-        </p:spPr>
-        <p:style>
-          <a:lnRef idx="2">
-            <a:schemeClr val="accent1">
-              <a:shade val="50000"/>
-            </a:schemeClr>
-          </a:lnRef>
-          <a:fillRef idx="1">
-            <a:schemeClr val="accent1"/>
-          </a:fillRef>
-          <a:effectRef idx="0">
-            <a:schemeClr val="accent1"/>
-          </a:effectRef>
-          <a:fontRef idx="minor">
-            <a:schemeClr val="lt1"/>
-          </a:fontRef>
-        </p:style>
-        <p:txBody>
-          <a:bodyPr rtlCol="0" anchor="ctr"/>
-          <a:lstStyle/>
-          <a:p>
-            <a:pPr algn="ctr"/>
-            <a:endParaRPr lang="ko-KR" altLang="en-US"/>
-          </a:p>
-        </p:txBody>
-      </p:sp>
-      <p:pic>
-        <p:nvPicPr>
-          <p:cNvPr id="34" name="Picture 2">
-            <a:extLst>
-              <a:ext uri="{FF2B5EF4-FFF2-40B4-BE49-F238E27FC236}">
-                <a16:creationId xmlns:a16="http://schemas.microsoft.com/office/drawing/2014/main" id="{006CA718-D9C3-44B6-A300-F7AD4A42D17D}"/>
-              </a:ext>
-            </a:extLst>
-          </p:cNvPr>
-          <p:cNvPicPr>
-            <a:picLocks noChangeAspect="1" noChangeArrowheads="1"/>
-          </p:cNvPicPr>
-          <p:nvPr/>
-        </p:nvPicPr>
-        <p:blipFill>
-          <a:blip r:embed="rId3">
-            <a:extLst>
-              <a:ext uri="{28A0092B-C50C-407E-A947-70E740481C1C}">
-                <a14:useLocalDpi xmlns:a14="http://schemas.microsoft.com/office/drawing/2010/main" val="0"/>
-              </a:ext>
-            </a:extLst>
-          </a:blip>
-          <a:srcRect/>
-          <a:stretch>
-            <a:fillRect/>
-          </a:stretch>
-        </p:blipFill>
-        <p:spPr bwMode="auto">
-          <a:xfrm>
-            <a:off x="7779641" y="7263798"/>
-            <a:ext cx="839555" cy="893663"/>
-          </a:xfrm>
-          <a:prstGeom prst="rect">
-            <a:avLst/>
-          </a:prstGeom>
-          <a:noFill/>
-          <a:extLst>
-            <a:ext uri="{909E8E84-426E-40DD-AFC4-6F175D3DCCD1}">
-              <a14:hiddenFill xmlns:a14="http://schemas.microsoft.com/office/drawing/2010/main">
-                <a:solidFill>
-                  <a:srgbClr val="FFFFFF"/>
-                </a:solidFill>
-              </a14:hiddenFill>
-            </a:ext>
-          </a:extLst>
-        </p:spPr>
-      </p:pic>
-      <p:sp>
-        <p:nvSpPr>
-          <p:cNvPr id="35" name="직사각형 34">
-            <a:extLst>
-              <a:ext uri="{FF2B5EF4-FFF2-40B4-BE49-F238E27FC236}">
-                <a16:creationId xmlns:a16="http://schemas.microsoft.com/office/drawing/2014/main" id="{3C4E622F-7435-4194-8A4A-4D9514F96477}"/>
-              </a:ext>
-            </a:extLst>
-          </p:cNvPr>
-          <p:cNvSpPr/>
-          <p:nvPr/>
-        </p:nvSpPr>
-        <p:spPr>
-          <a:xfrm>
-            <a:off x="7462940" y="7169496"/>
-            <a:ext cx="1472958" cy="969031"/>
-          </a:xfrm>
-          <a:prstGeom prst="rect">
-            <a:avLst/>
-          </a:prstGeom>
-          <a:solidFill>
-            <a:schemeClr val="tx2">
-              <a:lumMod val="50000"/>
-              <a:alpha val="0"/>
-            </a:schemeClr>
-          </a:solidFill>
-          <a:ln>
-            <a:solidFill>
-              <a:schemeClr val="tx1"/>
-            </a:solidFill>
-          </a:ln>
-        </p:spPr>
-        <p:style>
-          <a:lnRef idx="2">
-            <a:schemeClr val="accent1">
-              <a:shade val="50000"/>
-            </a:schemeClr>
-          </a:lnRef>
-          <a:fillRef idx="1">
-            <a:schemeClr val="accent1"/>
-          </a:fillRef>
-          <a:effectRef idx="0">
-            <a:schemeClr val="accent1"/>
-          </a:effectRef>
-          <a:fontRef idx="minor">
-            <a:schemeClr val="lt1"/>
-          </a:fontRef>
-        </p:style>
-        <p:txBody>
-          <a:bodyPr rtlCol="0" anchor="ctr"/>
-          <a:lstStyle/>
-          <a:p>
-            <a:pPr algn="ctr"/>
-            <a:endParaRPr lang="ko-KR" altLang="en-US"/>
-          </a:p>
-        </p:txBody>
-      </p:sp>
-      <p:pic>
-        <p:nvPicPr>
-          <p:cNvPr id="37" name="Picture 2">
-            <a:extLst>
-              <a:ext uri="{FF2B5EF4-FFF2-40B4-BE49-F238E27FC236}">
-                <a16:creationId xmlns:a16="http://schemas.microsoft.com/office/drawing/2014/main" id="{BA9BE122-62B9-4718-BE49-AFBEB45FE758}"/>
-              </a:ext>
-            </a:extLst>
-          </p:cNvPr>
-          <p:cNvPicPr>
-            <a:picLocks noChangeAspect="1" noChangeArrowheads="1"/>
-          </p:cNvPicPr>
-          <p:nvPr/>
-        </p:nvPicPr>
-        <p:blipFill>
-          <a:blip r:embed="rId3">
-            <a:extLst>
-              <a:ext uri="{28A0092B-C50C-407E-A947-70E740481C1C}">
-                <a14:useLocalDpi xmlns:a14="http://schemas.microsoft.com/office/drawing/2010/main" val="0"/>
-              </a:ext>
-            </a:extLst>
-          </a:blip>
-          <a:srcRect/>
-          <a:stretch>
-            <a:fillRect/>
-          </a:stretch>
-        </p:blipFill>
-        <p:spPr bwMode="auto">
-          <a:xfrm>
-            <a:off x="4390685" y="6734468"/>
-            <a:ext cx="839555" cy="893663"/>
-          </a:xfrm>
-          <a:prstGeom prst="rect">
-            <a:avLst/>
-          </a:prstGeom>
-          <a:noFill/>
-          <a:extLst>
-            <a:ext uri="{909E8E84-426E-40DD-AFC4-6F175D3DCCD1}">
-              <a14:hiddenFill xmlns:a14="http://schemas.microsoft.com/office/drawing/2010/main">
-                <a:solidFill>
-                  <a:srgbClr val="FFFFFF"/>
-                </a:solidFill>
-              </a14:hiddenFill>
-            </a:ext>
-          </a:extLst>
-        </p:spPr>
-      </p:pic>
-      <p:sp>
-        <p:nvSpPr>
-          <p:cNvPr id="38" name="직사각형 37">
-            <a:extLst>
-              <a:ext uri="{FF2B5EF4-FFF2-40B4-BE49-F238E27FC236}">
-                <a16:creationId xmlns:a16="http://schemas.microsoft.com/office/drawing/2014/main" id="{64A9CF89-621F-45E2-8594-50F3454942FD}"/>
-              </a:ext>
-            </a:extLst>
-          </p:cNvPr>
-          <p:cNvSpPr/>
-          <p:nvPr/>
-        </p:nvSpPr>
-        <p:spPr>
-          <a:xfrm>
-            <a:off x="4073984" y="7169496"/>
-            <a:ext cx="1472958" cy="969031"/>
-          </a:xfrm>
-          <a:prstGeom prst="rect">
-            <a:avLst/>
-          </a:prstGeom>
-          <a:solidFill>
-            <a:schemeClr val="tx2">
-              <a:lumMod val="50000"/>
-              <a:alpha val="50000"/>
-            </a:schemeClr>
-          </a:solidFill>
-          <a:ln>
-            <a:solidFill>
-              <a:schemeClr val="tx1"/>
-            </a:solidFill>
-          </a:ln>
-        </p:spPr>
-        <p:style>
-          <a:lnRef idx="2">
-            <a:schemeClr val="accent1">
-              <a:shade val="50000"/>
-            </a:schemeClr>
-          </a:lnRef>
-          <a:fillRef idx="1">
-            <a:schemeClr val="accent1"/>
-          </a:fillRef>
-          <a:effectRef idx="0">
-            <a:schemeClr val="accent1"/>
-          </a:effectRef>
-          <a:fontRef idx="minor">
-            <a:schemeClr val="lt1"/>
-          </a:fontRef>
-        </p:style>
-        <p:txBody>
-          <a:bodyPr rtlCol="0" anchor="ctr"/>
-          <a:lstStyle/>
-          <a:p>
-            <a:pPr algn="ctr"/>
-            <a:endParaRPr lang="ko-KR" altLang="en-US"/>
-          </a:p>
-        </p:txBody>
-      </p:sp>
-      <p:pic>
-        <p:nvPicPr>
-          <p:cNvPr id="40" name="Picture 2">
-            <a:extLst>
-              <a:ext uri="{FF2B5EF4-FFF2-40B4-BE49-F238E27FC236}">
-                <a16:creationId xmlns:a16="http://schemas.microsoft.com/office/drawing/2014/main" id="{11786761-7C6A-4618-9BB8-F0284686BED4}"/>
-              </a:ext>
-            </a:extLst>
-          </p:cNvPr>
-          <p:cNvPicPr>
-            <a:picLocks noChangeAspect="1" noChangeArrowheads="1"/>
-          </p:cNvPicPr>
-          <p:nvPr/>
-        </p:nvPicPr>
-        <p:blipFill>
-          <a:blip r:embed="rId3">
-            <a:extLst>
-              <a:ext uri="{28A0092B-C50C-407E-A947-70E740481C1C}">
-                <a14:useLocalDpi xmlns:a14="http://schemas.microsoft.com/office/drawing/2010/main" val="0"/>
-              </a:ext>
-            </a:extLst>
-          </a:blip>
-          <a:srcRect/>
-          <a:stretch>
-            <a:fillRect/>
-          </a:stretch>
-        </p:blipFill>
-        <p:spPr bwMode="auto">
-          <a:xfrm>
-            <a:off x="6085163" y="6999133"/>
-            <a:ext cx="839555" cy="893663"/>
-          </a:xfrm>
-          <a:prstGeom prst="rect">
-            <a:avLst/>
-          </a:prstGeom>
-          <a:noFill/>
-          <a:extLst>
-            <a:ext uri="{909E8E84-426E-40DD-AFC4-6F175D3DCCD1}">
-              <a14:hiddenFill xmlns:a14="http://schemas.microsoft.com/office/drawing/2010/main">
-                <a:solidFill>
-                  <a:srgbClr val="FFFFFF"/>
-                </a:solidFill>
-              </a14:hiddenFill>
-            </a:ext>
-          </a:extLst>
-        </p:spPr>
-      </p:pic>
-      <p:sp>
-        <p:nvSpPr>
-          <p:cNvPr id="41" name="직사각형 40">
-            <a:extLst>
-              <a:ext uri="{FF2B5EF4-FFF2-40B4-BE49-F238E27FC236}">
-                <a16:creationId xmlns:a16="http://schemas.microsoft.com/office/drawing/2014/main" id="{82943BE5-1407-4BF9-ACE9-D14971E2F65F}"/>
-              </a:ext>
-            </a:extLst>
-          </p:cNvPr>
-          <p:cNvSpPr/>
-          <p:nvPr/>
-        </p:nvSpPr>
-        <p:spPr>
-          <a:xfrm>
-            <a:off x="5768462" y="7169496"/>
-            <a:ext cx="1472958" cy="969031"/>
-          </a:xfrm>
-          <a:prstGeom prst="rect">
-            <a:avLst/>
-          </a:prstGeom>
-          <a:solidFill>
-            <a:schemeClr val="tx2">
-              <a:lumMod val="50000"/>
-              <a:alpha val="25000"/>
-            </a:schemeClr>
-          </a:solidFill>
-          <a:ln>
-            <a:solidFill>
-              <a:schemeClr val="tx1"/>
-            </a:solidFill>
-          </a:ln>
-        </p:spPr>
-        <p:style>
-          <a:lnRef idx="2">
-            <a:schemeClr val="accent1">
-              <a:shade val="50000"/>
-            </a:schemeClr>
-          </a:lnRef>
-          <a:fillRef idx="1">
-            <a:schemeClr val="accent1"/>
-          </a:fillRef>
-          <a:effectRef idx="0">
-            <a:schemeClr val="accent1"/>
-          </a:effectRef>
-          <a:fontRef idx="minor">
-            <a:schemeClr val="lt1"/>
-          </a:fontRef>
-        </p:style>
-        <p:txBody>
-          <a:bodyPr rtlCol="0" anchor="ctr"/>
-          <a:lstStyle/>
-          <a:p>
-            <a:pPr algn="ctr"/>
-            <a:endParaRPr lang="ko-KR" altLang="en-US"/>
-          </a:p>
-        </p:txBody>
-      </p:sp>
     </p:spTree>
     <p:extLst>
       <p:ext uri="{BB962C8B-B14F-4D97-AF65-F5344CB8AC3E}">
@@ -7865,7 +7509,7 @@
         <p:spPr>
           <a:xfrm>
             <a:off x="101601" y="1445888"/>
-            <a:ext cx="13937577" cy="4247317"/>
+            <a:ext cx="13114527" cy="3416320"/>
           </a:xfrm>
           <a:prstGeom prst="rect">
             <a:avLst/>
@@ -7965,7 +7609,7 @@
                 <a:latin typeface="HY그래픽M" panose="02030600000101010101" pitchFamily="18" charset="-127"/>
                 <a:ea typeface="HY그래픽M" panose="02030600000101010101" pitchFamily="18" charset="-127"/>
               </a:rPr>
-              <a:t>도 </a:t>
+              <a:t>는 </a:t>
             </a:r>
             <a:r>
               <a:rPr lang="ko-KR" altLang="en-US" b="1" dirty="0">
@@ -7975,7 +7619,24 @@
                 <a:latin typeface="HY그래픽M" panose="02030600000101010101" pitchFamily="18" charset="-127"/>
                 <a:ea typeface="HY그래픽M" panose="02030600000101010101" pitchFamily="18" charset="-127"/>
               </a:rPr>
-              <a:t>퍼즐처럼 작동하여 상호작용키를 통해 이용 </a:t>
+              <a:t>퍼즐과 다르게 작동하여 </a:t>
+            </a:r>
+            <a:r>
+              <a:rPr lang="ko-KR" altLang="en-US" b="1" dirty="0">
+                <a:latin typeface="HY그래픽M" panose="02030600000101010101" pitchFamily="18" charset="-127"/>
+                <a:ea typeface="HY그래픽M" panose="02030600000101010101" pitchFamily="18" charset="-127"/>
+              </a:rPr>
+              <a:t>플레이어 캐릭터가</a:t>
+            </a:r>
+            <a:r>
+              <a:rPr lang="ko-KR" altLang="en-US" b="1" dirty="0">
+                <a:solidFill>
+                  <a:schemeClr val="accent4"/>
+                </a:solidFill>
+                <a:latin typeface="HY그래픽M" panose="02030600000101010101" pitchFamily="18" charset="-127"/>
+                <a:ea typeface="HY그래픽M" panose="02030600000101010101" pitchFamily="18" charset="-127"/>
+              </a:rPr>
+              <a:t> 접근하여 상호작용 </a:t>
             </a:r>
             <a:r>
               <a:rPr lang="ko-KR" altLang="en-US" b="1" dirty="0">
@@ -8124,7 +7785,7 @@
                 <a:latin typeface="HY그래픽M" panose="02030600000101010101" pitchFamily="18" charset="-127"/>
                 <a:ea typeface="HY그래픽M" panose="02030600000101010101" pitchFamily="18" charset="-127"/>
               </a:rPr>
-              <a:t>기존에 있던 룸의 </a:t>
+              <a:t>기존에 있던 룸이 </a:t>
             </a:r>
             <a:r>
               <a:rPr lang="ko-KR" altLang="en-US" b="1" dirty="0">
@@ -8134,7 +7795,7 @@
                 <a:latin typeface="HY그래픽M" panose="02030600000101010101" pitchFamily="18" charset="-127"/>
                 <a:ea typeface="HY그래픽M" panose="02030600000101010101" pitchFamily="18" charset="-127"/>
               </a:rPr>
-              <a:t>퍼즐이 해결 된 상태가 아니라면 퍼즐이 </a:t>
+              <a:t>클리어 된 상태가 아니라면 퍼즐이 </a:t>
             </a:r>
             <a:r>
               <a:rPr lang="ko-KR" altLang="en-US" b="1" dirty="0" err="1">
@@ -8276,7 +7937,7 @@
                 <a:latin typeface="HY그래픽M" panose="02030600000101010101" pitchFamily="18" charset="-127"/>
                 <a:ea typeface="HY그래픽M" panose="02030600000101010101" pitchFamily="18" charset="-127"/>
               </a:rPr>
-              <a:t>다른 룸의 특정 좌표로 </a:t>
+              <a:t>해당 룸의 특정 좌표로 </a:t>
             </a:r>
             <a:r>
               <a:rPr lang="ko-KR" altLang="en-US" b="1" dirty="0" err="1">
@@ -8322,6 +7983,12 @@
               </a:rPr>
               <a:t>.</a:t>
             </a:r>
+          </a:p>
+          <a:p>
+            <a:endParaRPr lang="en-US" altLang="ko-KR" b="1" dirty="0">
+              <a:latin typeface="HY그래픽M" panose="02030600000101010101" pitchFamily="18" charset="-127"/>
+              <a:ea typeface="HY그래픽M" panose="02030600000101010101" pitchFamily="18" charset="-127"/>
+            </a:endParaRPr>
           </a:p>
           <a:p>
             <a:pPr marL="285705" indent="-285705">
@@ -8333,123 +8000,14 @@
               <a:ea typeface="HY그래픽M" panose="02030600000101010101" pitchFamily="18" charset="-127"/>
             </a:endParaRPr>
           </a:p>
-          <a:p>
-            <a:pPr marL="285705" indent="-285705">
-              <a:buFontTx/>
-              <a:buChar char="-"/>
-            </a:pPr>
-            <a:r>
-              <a:rPr lang="ko-KR" altLang="en-US" b="1" dirty="0">
-                <a:latin typeface="HY그래픽M" panose="02030600000101010101" pitchFamily="18" charset="-127"/>
-                <a:ea typeface="HY그래픽M" panose="02030600000101010101" pitchFamily="18" charset="-127"/>
-              </a:rPr>
-              <a:t>룸 이동시에 </a:t>
-            </a:r>
-            <a:r>
-              <a:rPr lang="ko-KR" altLang="en-US" b="1" dirty="0">
-                <a:solidFill>
-                  <a:schemeClr val="accent4"/>
-                </a:solidFill>
-                <a:latin typeface="HY그래픽M" panose="02030600000101010101" pitchFamily="18" charset="-127"/>
-                <a:ea typeface="HY그래픽M" panose="02030600000101010101" pitchFamily="18" charset="-127"/>
-              </a:rPr>
-              <a:t>특정 화면 연출이 있을 것</a:t>
-            </a:r>
-            <a:r>
-              <a:rPr lang="ko-KR" altLang="en-US" b="1" dirty="0">
-                <a:latin typeface="HY그래픽M" panose="02030600000101010101" pitchFamily="18" charset="-127"/>
-                <a:ea typeface="HY그래픽M" panose="02030600000101010101" pitchFamily="18" charset="-127"/>
-              </a:rPr>
-              <a:t>이다</a:t>
-            </a:r>
-            <a:r>
-              <a:rPr lang="en-US" altLang="ko-KR" b="1" dirty="0">
-                <a:latin typeface="HY그래픽M" panose="02030600000101010101" pitchFamily="18" charset="-127"/>
-                <a:ea typeface="HY그래픽M" panose="02030600000101010101" pitchFamily="18" charset="-127"/>
-              </a:rPr>
-              <a:t>.</a:t>
-            </a:r>
-          </a:p>
-          <a:p>
-            <a:r>
-              <a:rPr lang="en-US" altLang="ko-KR" b="1" dirty="0">
-                <a:solidFill>
-                  <a:schemeClr val="bg1"/>
-                </a:solidFill>
-                <a:latin typeface="HY그래픽M" panose="02030600000101010101" pitchFamily="18" charset="-127"/>
-                <a:ea typeface="HY그래픽M" panose="02030600000101010101" pitchFamily="18" charset="-127"/>
-              </a:rPr>
-              <a:t>(</a:t>
-            </a:r>
-            <a:r>
-              <a:rPr lang="ko-KR" altLang="en-US" b="1" dirty="0">
-                <a:solidFill>
-                  <a:schemeClr val="bg1"/>
-                </a:solidFill>
-                <a:latin typeface="HY그래픽M" panose="02030600000101010101" pitchFamily="18" charset="-127"/>
-                <a:ea typeface="HY그래픽M" panose="02030600000101010101" pitchFamily="18" charset="-127"/>
-              </a:rPr>
-              <a:t>지금으로서는 가장 간단한 페이드인</a:t>
-            </a:r>
-            <a:r>
-              <a:rPr lang="en-US" altLang="ko-KR" b="1" dirty="0">
-                <a:solidFill>
-                  <a:schemeClr val="bg1"/>
-                </a:solidFill>
-                <a:latin typeface="HY그래픽M" panose="02030600000101010101" pitchFamily="18" charset="-127"/>
-                <a:ea typeface="HY그래픽M" panose="02030600000101010101" pitchFamily="18" charset="-127"/>
-              </a:rPr>
-              <a:t>/</a:t>
-            </a:r>
-            <a:r>
-              <a:rPr lang="ko-KR" altLang="en-US" b="1" dirty="0">
-                <a:solidFill>
-                  <a:schemeClr val="bg1"/>
-                </a:solidFill>
-                <a:latin typeface="HY그래픽M" panose="02030600000101010101" pitchFamily="18" charset="-127"/>
-                <a:ea typeface="HY그래픽M" panose="02030600000101010101" pitchFamily="18" charset="-127"/>
-              </a:rPr>
-              <a:t>페이드아웃 을 생각하고 있으나 다른 연출도 고민중</a:t>
-            </a:r>
-            <a:r>
-              <a:rPr lang="en-US" altLang="ko-KR" b="1" dirty="0">
-                <a:solidFill>
-                  <a:schemeClr val="bg1"/>
-                </a:solidFill>
-                <a:latin typeface="HY그래픽M" panose="02030600000101010101" pitchFamily="18" charset="-127"/>
-                <a:ea typeface="HY그래픽M" panose="02030600000101010101" pitchFamily="18" charset="-127"/>
-              </a:rPr>
-              <a:t>)</a:t>
-            </a:r>
-          </a:p>
-          <a:p>
-            <a:pPr marL="285705" indent="-285705">
-              <a:buFontTx/>
-              <a:buChar char="-"/>
-            </a:pPr>
-            <a:endParaRPr lang="en-US" altLang="ko-KR" b="1" dirty="0">
-              <a:latin typeface="HY그래픽M" panose="02030600000101010101" pitchFamily="18" charset="-127"/>
-              <a:ea typeface="HY그래픽M" panose="02030600000101010101" pitchFamily="18" charset="-127"/>
-            </a:endParaRPr>
-          </a:p>
-          <a:p>
-            <a:pPr marL="285705" indent="-285705">
-              <a:buFontTx/>
-              <a:buChar char="-"/>
-            </a:pPr>
-            <a:endParaRPr lang="en-US" altLang="ko-KR" b="1" dirty="0">
-              <a:latin typeface="HY그래픽M" panose="02030600000101010101" pitchFamily="18" charset="-127"/>
-              <a:ea typeface="HY그래픽M" panose="02030600000101010101" pitchFamily="18" charset="-127"/>
-            </a:endParaRPr>
-          </a:p>
         </p:txBody>
       </p:sp>
       <p:pic>
         <p:nvPicPr>
-          <p:cNvPr id="10" name="그림 9">
+          <p:cNvPr id="3" name="그림 2">
             <a:extLst>
               <a:ext uri="{FF2B5EF4-FFF2-40B4-BE49-F238E27FC236}">
-                <a16:creationId xmlns:a16="http://schemas.microsoft.com/office/drawing/2014/main" id="{80AF5CBD-DA8B-4056-B95C-2AD7E8795278}"/>
+                <a16:creationId xmlns:a16="http://schemas.microsoft.com/office/drawing/2014/main" id="{793186DF-4874-4024-A6E1-E3FB6C1D2964}"/>
               </a:ext>
             </a:extLst>
           </p:cNvPr>
@@ -8472,8 +8030,8 @@
         </p:blipFill>
         <p:spPr>
           <a:xfrm>
-            <a:off x="11838400" y="1445888"/>
-            <a:ext cx="4206272" cy="7906805"/>
+            <a:off x="13423360" y="1445888"/>
+            <a:ext cx="4088766" cy="7685920"/>
           </a:xfrm>
           <a:prstGeom prst="rect">
             <a:avLst/>
@@ -8484,6 +8042,1097 @@
     <p:extLst>
       <p:ext uri="{BB962C8B-B14F-4D97-AF65-F5344CB8AC3E}">
         <p14:creationId xmlns:p14="http://schemas.microsoft.com/office/powerpoint/2010/main" val="3416045151"/>
+      </p:ext>
+    </p:extLst>
+  </p:cSld>
+  <p:clrMapOvr>
+    <a:masterClrMapping/>
+  </p:clrMapOvr>
+</p:sld>
+</file>
+
+<file path=ppt/slides/slide7.xml><?xml version="1.0" encoding="utf-8"?>
+<p:sld xmlns:a="http://schemas.openxmlformats.org/drawingml/2006/main" xmlns:r="http://schemas.openxmlformats.org/officeDocument/2006/relationships" xmlns:p="http://schemas.openxmlformats.org/presentationml/2006/main">
+  <p:cSld>
+    <p:spTree>
+      <p:nvGrpSpPr>
+        <p:cNvPr id="1" name=""/>
+        <p:cNvGrpSpPr/>
+        <p:nvPr/>
+      </p:nvGrpSpPr>
+      <p:grpSpPr>
+        <a:xfrm>
+          <a:off x="0" y="0"/>
+          <a:ext cx="0" cy="0"/>
+          <a:chOff x="0" y="0"/>
+          <a:chExt cx="0" cy="0"/>
+        </a:xfrm>
+      </p:grpSpPr>
+      <p:sp>
+        <p:nvSpPr>
+          <p:cNvPr id="4" name="사각형: 둥근 모서리 3">
+            <a:extLst>
+              <a:ext uri="{FF2B5EF4-FFF2-40B4-BE49-F238E27FC236}">
+                <a16:creationId xmlns:a16="http://schemas.microsoft.com/office/drawing/2014/main" id="{8CDCE0CE-503C-4BAB-92DB-6B54226FBA26}"/>
+              </a:ext>
+            </a:extLst>
+          </p:cNvPr>
+          <p:cNvSpPr/>
+          <p:nvPr/>
+        </p:nvSpPr>
+        <p:spPr>
+          <a:xfrm>
+            <a:off x="101601" y="993855"/>
+            <a:ext cx="17406942" cy="318170"/>
+          </a:xfrm>
+          <a:prstGeom prst="roundRect">
+            <a:avLst/>
+          </a:prstGeom>
+          <a:solidFill>
+            <a:schemeClr val="tx1"/>
+          </a:solidFill>
+          <a:ln>
+            <a:noFill/>
+          </a:ln>
+        </p:spPr>
+        <p:style>
+          <a:lnRef idx="2">
+            <a:schemeClr val="accent1">
+              <a:shade val="50000"/>
+            </a:schemeClr>
+          </a:lnRef>
+          <a:fillRef idx="1">
+            <a:schemeClr val="accent1"/>
+          </a:fillRef>
+          <a:effectRef idx="0">
+            <a:schemeClr val="accent1"/>
+          </a:effectRef>
+          <a:fontRef idx="minor">
+            <a:schemeClr val="lt1"/>
+          </a:fontRef>
+        </p:style>
+        <p:txBody>
+          <a:bodyPr rtlCol="0" anchor="ctr"/>
+          <a:lstStyle/>
+          <a:p>
+            <a:pPr algn="ctr"/>
+            <a:r>
+              <a:rPr lang="ko-KR" altLang="en-US" b="1" dirty="0">
+                <a:latin typeface="메이플스토리" panose="02000300000000000000" pitchFamily="2" charset="-127"/>
+                <a:ea typeface="메이플스토리" panose="02000300000000000000" pitchFamily="2" charset="-127"/>
+              </a:rPr>
+              <a:t>스테이지 이동</a:t>
+            </a:r>
+          </a:p>
+        </p:txBody>
+      </p:sp>
+      <p:sp>
+        <p:nvSpPr>
+          <p:cNvPr id="5" name="직사각형 4">
+            <a:extLst>
+              <a:ext uri="{FF2B5EF4-FFF2-40B4-BE49-F238E27FC236}">
+                <a16:creationId xmlns:a16="http://schemas.microsoft.com/office/drawing/2014/main" id="{49F54697-D889-4C78-8EE1-B56947345870}"/>
+              </a:ext>
+            </a:extLst>
+          </p:cNvPr>
+          <p:cNvSpPr/>
+          <p:nvPr/>
+        </p:nvSpPr>
+        <p:spPr>
+          <a:xfrm>
+            <a:off x="8132804" y="33681"/>
+            <a:ext cx="1344535" cy="923330"/>
+          </a:xfrm>
+          <a:prstGeom prst="rect">
+            <a:avLst/>
+          </a:prstGeom>
+          <a:noFill/>
+        </p:spPr>
+        <p:txBody>
+          <a:bodyPr wrap="none" lIns="91440" tIns="45720" rIns="91440" bIns="45720">
+            <a:spAutoFit/>
+          </a:bodyPr>
+          <a:lstStyle/>
+          <a:p>
+            <a:pPr algn="ctr"/>
+            <a:r>
+              <a:rPr lang="en-US" altLang="ko-KR" sz="5400" b="1" dirty="0">
+                <a:ln w="0">
+                  <a:solidFill>
+                    <a:schemeClr val="bg1"/>
+                  </a:solidFill>
+                </a:ln>
+                <a:latin typeface="+mj-ea"/>
+                <a:ea typeface="+mj-ea"/>
+              </a:rPr>
+              <a:t>WA</a:t>
+            </a:r>
+          </a:p>
+        </p:txBody>
+      </p:sp>
+      <p:sp>
+        <p:nvSpPr>
+          <p:cNvPr id="6" name="TextBox 5">
+            <a:extLst>
+              <a:ext uri="{FF2B5EF4-FFF2-40B4-BE49-F238E27FC236}">
+                <a16:creationId xmlns:a16="http://schemas.microsoft.com/office/drawing/2014/main" id="{B7D654A1-8A6C-44BB-BDF0-0D5AAE4E0359}"/>
+              </a:ext>
+            </a:extLst>
+          </p:cNvPr>
+          <p:cNvSpPr txBox="1"/>
+          <p:nvPr/>
+        </p:nvSpPr>
+        <p:spPr>
+          <a:xfrm>
+            <a:off x="101601" y="1445888"/>
+            <a:ext cx="13114527" cy="3139321"/>
+          </a:xfrm>
+          <a:prstGeom prst="rect">
+            <a:avLst/>
+          </a:prstGeom>
+          <a:solidFill>
+            <a:schemeClr val="bg1">
+              <a:alpha val="20000"/>
+            </a:schemeClr>
+          </a:solidFill>
+        </p:spPr>
+        <p:txBody>
+          <a:bodyPr wrap="square" rtlCol="0">
+            <a:spAutoFit/>
+          </a:bodyPr>
+          <a:lstStyle/>
+          <a:p>
+            <a:pPr marL="285705" indent="-285705">
+              <a:buFontTx/>
+              <a:buChar char="-"/>
+            </a:pPr>
+            <a:r>
+              <a:rPr lang="ko-KR" altLang="en-US" b="1" dirty="0">
+                <a:latin typeface="HY그래픽M" panose="02030600000101010101" pitchFamily="18" charset="-127"/>
+                <a:ea typeface="HY그래픽M" panose="02030600000101010101" pitchFamily="18" charset="-127"/>
+              </a:rPr>
+              <a:t>플레이어는 </a:t>
+            </a:r>
+            <a:r>
+              <a:rPr lang="ko-KR" altLang="en-US" b="1" dirty="0">
+                <a:solidFill>
+                  <a:schemeClr val="accent4"/>
+                </a:solidFill>
+                <a:latin typeface="HY그래픽M" panose="02030600000101010101" pitchFamily="18" charset="-127"/>
+                <a:ea typeface="HY그래픽M" panose="02030600000101010101" pitchFamily="18" charset="-127"/>
+              </a:rPr>
+              <a:t>스테이지 사이의 이동통로가 되는 </a:t>
+            </a:r>
+            <a:r>
+              <a:rPr lang="en-US" altLang="ko-KR" b="1" dirty="0">
+                <a:solidFill>
+                  <a:schemeClr val="accent4"/>
+                </a:solidFill>
+                <a:latin typeface="HY그래픽M" panose="02030600000101010101" pitchFamily="18" charset="-127"/>
+                <a:ea typeface="HY그래픽M" panose="02030600000101010101" pitchFamily="18" charset="-127"/>
+              </a:rPr>
+              <a:t>Teleporter</a:t>
+            </a:r>
+            <a:r>
+              <a:rPr lang="ko-KR" altLang="en-US" b="1" dirty="0">
+                <a:solidFill>
+                  <a:schemeClr val="accent4"/>
+                </a:solidFill>
+                <a:latin typeface="HY그래픽M" panose="02030600000101010101" pitchFamily="18" charset="-127"/>
+                <a:ea typeface="HY그래픽M" panose="02030600000101010101" pitchFamily="18" charset="-127"/>
+              </a:rPr>
+              <a:t>를 통해 다른 스테이지로 이동</a:t>
+            </a:r>
+            <a:r>
+              <a:rPr lang="ko-KR" altLang="en-US" b="1" dirty="0">
+                <a:latin typeface="HY그래픽M" panose="02030600000101010101" pitchFamily="18" charset="-127"/>
+                <a:ea typeface="HY그래픽M" panose="02030600000101010101" pitchFamily="18" charset="-127"/>
+              </a:rPr>
+              <a:t>할 수 있다</a:t>
+            </a:r>
+            <a:r>
+              <a:rPr lang="en-US" altLang="ko-KR" b="1" dirty="0">
+                <a:latin typeface="HY그래픽M" panose="02030600000101010101" pitchFamily="18" charset="-127"/>
+                <a:ea typeface="HY그래픽M" panose="02030600000101010101" pitchFamily="18" charset="-127"/>
+              </a:rPr>
+              <a:t>.</a:t>
+            </a:r>
+          </a:p>
+          <a:p>
+            <a:endParaRPr lang="en-US" altLang="ko-KR" b="1" dirty="0">
+              <a:latin typeface="HY그래픽M" panose="02030600000101010101" pitchFamily="18" charset="-127"/>
+              <a:ea typeface="HY그래픽M" panose="02030600000101010101" pitchFamily="18" charset="-127"/>
+            </a:endParaRPr>
+          </a:p>
+          <a:p>
+            <a:pPr marL="285705" indent="-285705">
+              <a:buFontTx/>
+              <a:buChar char="-"/>
+            </a:pPr>
+            <a:r>
+              <a:rPr lang="en-US" altLang="ko-KR" b="1" dirty="0">
+                <a:latin typeface="HY그래픽M" panose="02030600000101010101" pitchFamily="18" charset="-127"/>
+                <a:ea typeface="HY그래픽M" panose="02030600000101010101" pitchFamily="18" charset="-127"/>
+              </a:rPr>
+              <a:t>Teleporter</a:t>
+            </a:r>
+            <a:r>
+              <a:rPr lang="ko-KR" altLang="en-US" b="1" dirty="0">
+                <a:latin typeface="HY그래픽M" panose="02030600000101010101" pitchFamily="18" charset="-127"/>
+                <a:ea typeface="HY그래픽M" panose="02030600000101010101" pitchFamily="18" charset="-127"/>
+              </a:rPr>
+              <a:t>는 </a:t>
+            </a:r>
+            <a:r>
+              <a:rPr lang="ko-KR" altLang="en-US" b="1" dirty="0">
+                <a:solidFill>
+                  <a:schemeClr val="accent4"/>
+                </a:solidFill>
+                <a:latin typeface="HY그래픽M" panose="02030600000101010101" pitchFamily="18" charset="-127"/>
+                <a:ea typeface="HY그래픽M" panose="02030600000101010101" pitchFamily="18" charset="-127"/>
+              </a:rPr>
+              <a:t>퍼즐과 같이 작동</a:t>
+            </a:r>
+            <a:r>
+              <a:rPr lang="ko-KR" altLang="en-US" b="1" dirty="0">
+                <a:latin typeface="HY그래픽M" panose="02030600000101010101" pitchFamily="18" charset="-127"/>
+                <a:ea typeface="HY그래픽M" panose="02030600000101010101" pitchFamily="18" charset="-127"/>
+              </a:rPr>
+              <a:t>하며 인접한 상태에서 </a:t>
+            </a:r>
+            <a:r>
+              <a:rPr lang="ko-KR" altLang="en-US" b="1" dirty="0">
+                <a:solidFill>
+                  <a:schemeClr val="accent4"/>
+                </a:solidFill>
+                <a:latin typeface="HY그래픽M" panose="02030600000101010101" pitchFamily="18" charset="-127"/>
+                <a:ea typeface="HY그래픽M" panose="02030600000101010101" pitchFamily="18" charset="-127"/>
+              </a:rPr>
+              <a:t>상호작용키를 입력하여 이용</a:t>
+            </a:r>
+            <a:r>
+              <a:rPr lang="ko-KR" altLang="en-US" b="1" dirty="0">
+                <a:latin typeface="HY그래픽M" panose="02030600000101010101" pitchFamily="18" charset="-127"/>
+                <a:ea typeface="HY그래픽M" panose="02030600000101010101" pitchFamily="18" charset="-127"/>
+              </a:rPr>
+              <a:t>할 수 있다</a:t>
+            </a:r>
+            <a:r>
+              <a:rPr lang="en-US" altLang="ko-KR" b="1" dirty="0">
+                <a:latin typeface="HY그래픽M" panose="02030600000101010101" pitchFamily="18" charset="-127"/>
+                <a:ea typeface="HY그래픽M" panose="02030600000101010101" pitchFamily="18" charset="-127"/>
+              </a:rPr>
+              <a:t>.</a:t>
+            </a:r>
+          </a:p>
+          <a:p>
+            <a:pPr marL="285705" indent="-285705">
+              <a:buFontTx/>
+              <a:buChar char="-"/>
+            </a:pPr>
+            <a:endParaRPr lang="en-US" altLang="ko-KR" b="1" dirty="0">
+              <a:latin typeface="HY그래픽M" panose="02030600000101010101" pitchFamily="18" charset="-127"/>
+              <a:ea typeface="HY그래픽M" panose="02030600000101010101" pitchFamily="18" charset="-127"/>
+            </a:endParaRPr>
+          </a:p>
+          <a:p>
+            <a:pPr marL="285705" indent="-285705">
+              <a:buFontTx/>
+              <a:buChar char="-"/>
+            </a:pPr>
+            <a:r>
+              <a:rPr lang="ko-KR" altLang="en-US" b="1" dirty="0">
+                <a:latin typeface="HY그래픽M" panose="02030600000101010101" pitchFamily="18" charset="-127"/>
+                <a:ea typeface="HY그래픽M" panose="02030600000101010101" pitchFamily="18" charset="-127"/>
+              </a:rPr>
+              <a:t>스테이지 이동을 하는 </a:t>
+            </a:r>
+            <a:r>
+              <a:rPr lang="ko-KR" altLang="en-US" b="1" dirty="0">
+                <a:solidFill>
+                  <a:schemeClr val="accent4"/>
+                </a:solidFill>
+                <a:latin typeface="HY그래픽M" panose="02030600000101010101" pitchFamily="18" charset="-127"/>
+                <a:ea typeface="HY그래픽M" panose="02030600000101010101" pitchFamily="18" charset="-127"/>
+              </a:rPr>
+              <a:t>중간에는 로딩 창</a:t>
+            </a:r>
+            <a:r>
+              <a:rPr lang="ko-KR" altLang="en-US" b="1" dirty="0">
+                <a:latin typeface="HY그래픽M" panose="02030600000101010101" pitchFamily="18" charset="-127"/>
+                <a:ea typeface="HY그래픽M" panose="02030600000101010101" pitchFamily="18" charset="-127"/>
+              </a:rPr>
+              <a:t>이 있다</a:t>
+            </a:r>
+            <a:r>
+              <a:rPr lang="en-US" altLang="ko-KR" b="1" dirty="0">
+                <a:latin typeface="HY그래픽M" panose="02030600000101010101" pitchFamily="18" charset="-127"/>
+                <a:ea typeface="HY그래픽M" panose="02030600000101010101" pitchFamily="18" charset="-127"/>
+              </a:rPr>
+              <a:t>.</a:t>
+            </a:r>
+          </a:p>
+          <a:p>
+            <a:pPr marL="285705" indent="-285705">
+              <a:buFontTx/>
+              <a:buChar char="-"/>
+            </a:pPr>
+            <a:endParaRPr lang="en-US" altLang="ko-KR" b="1" dirty="0">
+              <a:latin typeface="HY그래픽M" panose="02030600000101010101" pitchFamily="18" charset="-127"/>
+              <a:ea typeface="HY그래픽M" panose="02030600000101010101" pitchFamily="18" charset="-127"/>
+            </a:endParaRPr>
+          </a:p>
+          <a:p>
+            <a:pPr marL="285705" indent="-285705">
+              <a:buFontTx/>
+              <a:buChar char="-"/>
+            </a:pPr>
+            <a:r>
+              <a:rPr lang="ko-KR" altLang="en-US" b="1" dirty="0">
+                <a:latin typeface="HY그래픽M" panose="02030600000101010101" pitchFamily="18" charset="-127"/>
+                <a:ea typeface="HY그래픽M" panose="02030600000101010101" pitchFamily="18" charset="-127"/>
+              </a:rPr>
+              <a:t>로딩 창에서는 </a:t>
+            </a:r>
+            <a:r>
+              <a:rPr lang="ko-KR" altLang="en-US" b="1" dirty="0">
+                <a:solidFill>
+                  <a:schemeClr val="accent4"/>
+                </a:solidFill>
+                <a:latin typeface="HY그래픽M" panose="02030600000101010101" pitchFamily="18" charset="-127"/>
+                <a:ea typeface="HY그래픽M" panose="02030600000101010101" pitchFamily="18" charset="-127"/>
+              </a:rPr>
+              <a:t>스토리를 알려주는 </a:t>
+            </a:r>
+            <a:r>
+              <a:rPr lang="ko-KR" altLang="en-US" b="1" dirty="0" err="1">
+                <a:solidFill>
+                  <a:schemeClr val="accent4"/>
+                </a:solidFill>
+                <a:latin typeface="HY그래픽M" panose="02030600000101010101" pitchFamily="18" charset="-127"/>
+                <a:ea typeface="HY그래픽M" panose="02030600000101010101" pitchFamily="18" charset="-127"/>
+              </a:rPr>
+              <a:t>컷신이</a:t>
+            </a:r>
+            <a:r>
+              <a:rPr lang="ko-KR" altLang="en-US" b="1" dirty="0">
+                <a:solidFill>
+                  <a:schemeClr val="accent4"/>
+                </a:solidFill>
+                <a:latin typeface="HY그래픽M" panose="02030600000101010101" pitchFamily="18" charset="-127"/>
+                <a:ea typeface="HY그래픽M" panose="02030600000101010101" pitchFamily="18" charset="-127"/>
+              </a:rPr>
+              <a:t> 출력</a:t>
+            </a:r>
+            <a:r>
+              <a:rPr lang="ko-KR" altLang="en-US" b="1" dirty="0">
+                <a:latin typeface="HY그래픽M" panose="02030600000101010101" pitchFamily="18" charset="-127"/>
+                <a:ea typeface="HY그래픽M" panose="02030600000101010101" pitchFamily="18" charset="-127"/>
+              </a:rPr>
+              <a:t>된다</a:t>
+            </a:r>
+            <a:r>
+              <a:rPr lang="en-US" altLang="ko-KR" b="1" dirty="0">
+                <a:latin typeface="HY그래픽M" panose="02030600000101010101" pitchFamily="18" charset="-127"/>
+                <a:ea typeface="HY그래픽M" panose="02030600000101010101" pitchFamily="18" charset="-127"/>
+              </a:rPr>
+              <a:t>.</a:t>
+            </a:r>
+          </a:p>
+          <a:p>
+            <a:pPr marL="285705" indent="-285705">
+              <a:buFontTx/>
+              <a:buChar char="-"/>
+            </a:pPr>
+            <a:endParaRPr lang="en-US" altLang="ko-KR" b="1" dirty="0">
+              <a:latin typeface="HY그래픽M" panose="02030600000101010101" pitchFamily="18" charset="-127"/>
+              <a:ea typeface="HY그래픽M" panose="02030600000101010101" pitchFamily="18" charset="-127"/>
+            </a:endParaRPr>
+          </a:p>
+          <a:p>
+            <a:pPr marL="285705" indent="-285705">
+              <a:buFontTx/>
+              <a:buChar char="-"/>
+            </a:pPr>
+            <a:r>
+              <a:rPr lang="ko-KR" altLang="en-US" b="1" dirty="0">
+                <a:latin typeface="HY그래픽M" panose="02030600000101010101" pitchFamily="18" charset="-127"/>
+                <a:ea typeface="HY그래픽M" panose="02030600000101010101" pitchFamily="18" charset="-127"/>
+              </a:rPr>
+              <a:t>로딩 창은 플레이어가 </a:t>
+            </a:r>
+            <a:r>
+              <a:rPr lang="ko-KR" altLang="en-US" b="1" dirty="0" err="1">
+                <a:latin typeface="HY그래픽M" panose="02030600000101010101" pitchFamily="18" charset="-127"/>
+                <a:ea typeface="HY그래픽M" panose="02030600000101010101" pitchFamily="18" charset="-127"/>
+              </a:rPr>
+              <a:t>컷신을</a:t>
+            </a:r>
+            <a:r>
+              <a:rPr lang="ko-KR" altLang="en-US" b="1" dirty="0">
+                <a:latin typeface="HY그래픽M" panose="02030600000101010101" pitchFamily="18" charset="-127"/>
+                <a:ea typeface="HY그래픽M" panose="02030600000101010101" pitchFamily="18" charset="-127"/>
+              </a:rPr>
+              <a:t> 편하게 보기 위해 로딩이 끝나도 바로 다음 스테이지로 이동하지는 않는다</a:t>
+            </a:r>
+            <a:r>
+              <a:rPr lang="en-US" altLang="ko-KR" b="1" dirty="0">
+                <a:latin typeface="HY그래픽M" panose="02030600000101010101" pitchFamily="18" charset="-127"/>
+                <a:ea typeface="HY그래픽M" panose="02030600000101010101" pitchFamily="18" charset="-127"/>
+              </a:rPr>
+              <a:t>.</a:t>
+            </a:r>
+          </a:p>
+          <a:p>
+            <a:r>
+              <a:rPr lang="en-US" altLang="ko-KR" b="1" i="1" dirty="0">
+                <a:solidFill>
+                  <a:schemeClr val="bg1"/>
+                </a:solidFill>
+                <a:latin typeface="HY그래픽M" panose="02030600000101010101" pitchFamily="18" charset="-127"/>
+                <a:ea typeface="HY그래픽M" panose="02030600000101010101" pitchFamily="18" charset="-127"/>
+              </a:rPr>
+              <a:t>(</a:t>
+            </a:r>
+            <a:r>
+              <a:rPr lang="ko-KR" altLang="en-US" b="1" i="1" dirty="0">
+                <a:solidFill>
+                  <a:schemeClr val="bg1"/>
+                </a:solidFill>
+                <a:latin typeface="HY그래픽M" panose="02030600000101010101" pitchFamily="18" charset="-127"/>
+                <a:ea typeface="HY그래픽M" panose="02030600000101010101" pitchFamily="18" charset="-127"/>
+              </a:rPr>
+              <a:t>로딩 창은 로딩이 끝난 후 플레이어가 상호작용 키를 눌러 넘어갈 수 있다</a:t>
+            </a:r>
+            <a:r>
+              <a:rPr lang="en-US" altLang="ko-KR" b="1" i="1" dirty="0">
+                <a:solidFill>
+                  <a:schemeClr val="bg1"/>
+                </a:solidFill>
+                <a:latin typeface="HY그래픽M" panose="02030600000101010101" pitchFamily="18" charset="-127"/>
+                <a:ea typeface="HY그래픽M" panose="02030600000101010101" pitchFamily="18" charset="-127"/>
+              </a:rPr>
+              <a:t>.)</a:t>
+            </a:r>
+          </a:p>
+          <a:p>
+            <a:endParaRPr lang="en-US" altLang="ko-KR" b="1" i="1" dirty="0">
+              <a:solidFill>
+                <a:schemeClr val="bg1"/>
+              </a:solidFill>
+              <a:latin typeface="HY그래픽M" panose="02030600000101010101" pitchFamily="18" charset="-127"/>
+              <a:ea typeface="HY그래픽M" panose="02030600000101010101" pitchFamily="18" charset="-127"/>
+            </a:endParaRPr>
+          </a:p>
+        </p:txBody>
+      </p:sp>
+      <p:pic>
+        <p:nvPicPr>
+          <p:cNvPr id="1026" name="Picture 2" descr="워크래프트3:레인 오브 카오스&gt; 번역 교정 패치 by Storycraft">
+            <a:extLst>
+              <a:ext uri="{FF2B5EF4-FFF2-40B4-BE49-F238E27FC236}">
+                <a16:creationId xmlns:a16="http://schemas.microsoft.com/office/drawing/2014/main" id="{168F8D86-23B8-4741-8AF2-301405D6337D}"/>
+              </a:ext>
+            </a:extLst>
+          </p:cNvPr>
+          <p:cNvPicPr>
+            <a:picLocks noChangeAspect="1" noChangeArrowheads="1"/>
+          </p:cNvPicPr>
+          <p:nvPr/>
+        </p:nvPicPr>
+        <p:blipFill>
+          <a:blip r:embed="rId2">
+            <a:extLst>
+              <a:ext uri="{28A0092B-C50C-407E-A947-70E740481C1C}">
+                <a14:useLocalDpi xmlns:a14="http://schemas.microsoft.com/office/drawing/2010/main" val="0"/>
+              </a:ext>
+            </a:extLst>
+          </a:blip>
+          <a:srcRect/>
+          <a:stretch>
+            <a:fillRect/>
+          </a:stretch>
+        </p:blipFill>
+        <p:spPr bwMode="auto">
+          <a:xfrm>
+            <a:off x="101601" y="5522976"/>
+            <a:ext cx="5118278" cy="3834771"/>
+          </a:xfrm>
+          <a:prstGeom prst="rect">
+            <a:avLst/>
+          </a:prstGeom>
+          <a:noFill/>
+          <a:extLst>
+            <a:ext uri="{909E8E84-426E-40DD-AFC4-6F175D3DCCD1}">
+              <a14:hiddenFill xmlns:a14="http://schemas.microsoft.com/office/drawing/2010/main">
+                <a:solidFill>
+                  <a:srgbClr val="FFFFFF"/>
+                </a:solidFill>
+              </a14:hiddenFill>
+            </a:ext>
+          </a:extLst>
+        </p:spPr>
+      </p:pic>
+      <p:sp>
+        <p:nvSpPr>
+          <p:cNvPr id="7" name="TextBox 6">
+            <a:extLst>
+              <a:ext uri="{FF2B5EF4-FFF2-40B4-BE49-F238E27FC236}">
+                <a16:creationId xmlns:a16="http://schemas.microsoft.com/office/drawing/2014/main" id="{A01B0D73-4D43-43DF-B995-B38E82E143D9}"/>
+              </a:ext>
+            </a:extLst>
+          </p:cNvPr>
+          <p:cNvSpPr txBox="1"/>
+          <p:nvPr/>
+        </p:nvSpPr>
+        <p:spPr>
+          <a:xfrm>
+            <a:off x="101602" y="4953000"/>
+            <a:ext cx="5118278" cy="369332"/>
+          </a:xfrm>
+          <a:prstGeom prst="rect">
+            <a:avLst/>
+          </a:prstGeom>
+          <a:solidFill>
+            <a:schemeClr val="bg1">
+              <a:alpha val="20000"/>
+            </a:schemeClr>
+          </a:solidFill>
+        </p:spPr>
+        <p:txBody>
+          <a:bodyPr wrap="square" rtlCol="0">
+            <a:spAutoFit/>
+          </a:bodyPr>
+          <a:lstStyle/>
+          <a:p>
+            <a:r>
+              <a:rPr lang="ko-KR" altLang="en-US" b="1" dirty="0">
+                <a:latin typeface="HY그래픽M" panose="02030600000101010101" pitchFamily="18" charset="-127"/>
+                <a:ea typeface="HY그래픽M" panose="02030600000101010101" pitchFamily="18" charset="-127"/>
+              </a:rPr>
+              <a:t>워크래프트</a:t>
+            </a:r>
+            <a:r>
+              <a:rPr lang="en-US" altLang="ko-KR" b="1" dirty="0">
+                <a:latin typeface="HY그래픽M" panose="02030600000101010101" pitchFamily="18" charset="-127"/>
+                <a:ea typeface="HY그래픽M" panose="02030600000101010101" pitchFamily="18" charset="-127"/>
+              </a:rPr>
+              <a:t>3 </a:t>
+            </a:r>
+            <a:r>
+              <a:rPr lang="en-US" altLang="ko-KR" sz="1400" b="1" i="1" dirty="0">
+                <a:solidFill>
+                  <a:schemeClr val="bg1"/>
+                </a:solidFill>
+                <a:latin typeface="HY그래픽M" panose="02030600000101010101" pitchFamily="18" charset="-127"/>
+                <a:ea typeface="HY그래픽M" panose="02030600000101010101" pitchFamily="18" charset="-127"/>
+              </a:rPr>
+              <a:t>(</a:t>
+            </a:r>
+            <a:r>
+              <a:rPr lang="ko-KR" altLang="en-US" sz="1400" b="1" i="1" dirty="0">
+                <a:solidFill>
+                  <a:schemeClr val="bg1"/>
+                </a:solidFill>
+                <a:latin typeface="HY그래픽M" panose="02030600000101010101" pitchFamily="18" charset="-127"/>
+                <a:ea typeface="HY그래픽M" panose="02030600000101010101" pitchFamily="18" charset="-127"/>
+              </a:rPr>
+              <a:t>로딩이</a:t>
+            </a:r>
+            <a:r>
+              <a:rPr lang="en-US" altLang="ko-KR" sz="1400" b="1" i="1" dirty="0">
+                <a:solidFill>
+                  <a:schemeClr val="bg1"/>
+                </a:solidFill>
+                <a:latin typeface="HY그래픽M" panose="02030600000101010101" pitchFamily="18" charset="-127"/>
+                <a:ea typeface="HY그래픽M" panose="02030600000101010101" pitchFamily="18" charset="-127"/>
+              </a:rPr>
+              <a:t> </a:t>
+            </a:r>
+            <a:r>
+              <a:rPr lang="ko-KR" altLang="en-US" sz="1400" b="1" i="1" dirty="0">
+                <a:solidFill>
+                  <a:schemeClr val="bg1"/>
+                </a:solidFill>
+                <a:latin typeface="HY그래픽M" panose="02030600000101010101" pitchFamily="18" charset="-127"/>
+                <a:ea typeface="HY그래픽M" panose="02030600000101010101" pitchFamily="18" charset="-127"/>
+              </a:rPr>
+              <a:t>끝난 후 바로 넘어가지 않음</a:t>
+            </a:r>
+            <a:r>
+              <a:rPr lang="en-US" altLang="ko-KR" sz="1400" b="1" i="1" dirty="0">
+                <a:solidFill>
+                  <a:schemeClr val="bg1"/>
+                </a:solidFill>
+                <a:latin typeface="HY그래픽M" panose="02030600000101010101" pitchFamily="18" charset="-127"/>
+                <a:ea typeface="HY그래픽M" panose="02030600000101010101" pitchFamily="18" charset="-127"/>
+              </a:rPr>
+              <a:t>)</a:t>
+            </a:r>
+            <a:endParaRPr lang="en-US" altLang="ko-KR" b="1" i="1" dirty="0">
+              <a:solidFill>
+                <a:schemeClr val="bg1"/>
+              </a:solidFill>
+              <a:latin typeface="HY그래픽M" panose="02030600000101010101" pitchFamily="18" charset="-127"/>
+              <a:ea typeface="HY그래픽M" panose="02030600000101010101" pitchFamily="18" charset="-127"/>
+            </a:endParaRPr>
+          </a:p>
+        </p:txBody>
+      </p:sp>
+    </p:spTree>
+    <p:extLst>
+      <p:ext uri="{BB962C8B-B14F-4D97-AF65-F5344CB8AC3E}">
+        <p14:creationId xmlns:p14="http://schemas.microsoft.com/office/powerpoint/2010/main" val="3013770109"/>
+      </p:ext>
+    </p:extLst>
+  </p:cSld>
+  <p:clrMapOvr>
+    <a:masterClrMapping/>
+  </p:clrMapOvr>
+</p:sld>
+</file>
+
+<file path=ppt/slides/slide8.xml><?xml version="1.0" encoding="utf-8"?>
+<p:sld xmlns:a="http://schemas.openxmlformats.org/drawingml/2006/main" xmlns:r="http://schemas.openxmlformats.org/officeDocument/2006/relationships" xmlns:p="http://schemas.openxmlformats.org/presentationml/2006/main">
+  <p:cSld>
+    <p:spTree>
+      <p:nvGrpSpPr>
+        <p:cNvPr id="1" name=""/>
+        <p:cNvGrpSpPr/>
+        <p:nvPr/>
+      </p:nvGrpSpPr>
+      <p:grpSpPr>
+        <a:xfrm>
+          <a:off x="0" y="0"/>
+          <a:ext cx="0" cy="0"/>
+          <a:chOff x="0" y="0"/>
+          <a:chExt cx="0" cy="0"/>
+        </a:xfrm>
+      </p:grpSpPr>
+      <p:sp>
+        <p:nvSpPr>
+          <p:cNvPr id="4" name="사각형: 둥근 모서리 3">
+            <a:extLst>
+              <a:ext uri="{FF2B5EF4-FFF2-40B4-BE49-F238E27FC236}">
+                <a16:creationId xmlns:a16="http://schemas.microsoft.com/office/drawing/2014/main" id="{6C50C1F5-C0C8-4EDA-857C-F59396378FB9}"/>
+              </a:ext>
+            </a:extLst>
+          </p:cNvPr>
+          <p:cNvSpPr/>
+          <p:nvPr/>
+        </p:nvSpPr>
+        <p:spPr>
+          <a:xfrm>
+            <a:off x="101601" y="993855"/>
+            <a:ext cx="17406942" cy="318170"/>
+          </a:xfrm>
+          <a:prstGeom prst="roundRect">
+            <a:avLst/>
+          </a:prstGeom>
+          <a:solidFill>
+            <a:schemeClr val="tx1"/>
+          </a:solidFill>
+          <a:ln>
+            <a:noFill/>
+          </a:ln>
+        </p:spPr>
+        <p:style>
+          <a:lnRef idx="2">
+            <a:schemeClr val="accent1">
+              <a:shade val="50000"/>
+            </a:schemeClr>
+          </a:lnRef>
+          <a:fillRef idx="1">
+            <a:schemeClr val="accent1"/>
+          </a:fillRef>
+          <a:effectRef idx="0">
+            <a:schemeClr val="accent1"/>
+          </a:effectRef>
+          <a:fontRef idx="minor">
+            <a:schemeClr val="lt1"/>
+          </a:fontRef>
+        </p:style>
+        <p:txBody>
+          <a:bodyPr rtlCol="0" anchor="ctr"/>
+          <a:lstStyle/>
+          <a:p>
+            <a:pPr algn="ctr"/>
+            <a:r>
+              <a:rPr lang="ko-KR" altLang="en-US" b="1" dirty="0">
+                <a:latin typeface="메이플스토리" panose="02000300000000000000" pitchFamily="2" charset="-127"/>
+                <a:ea typeface="메이플스토리" panose="02000300000000000000" pitchFamily="2" charset="-127"/>
+              </a:rPr>
+              <a:t>이벤트 발생</a:t>
+            </a:r>
+          </a:p>
+        </p:txBody>
+      </p:sp>
+      <p:sp>
+        <p:nvSpPr>
+          <p:cNvPr id="5" name="직사각형 4">
+            <a:extLst>
+              <a:ext uri="{FF2B5EF4-FFF2-40B4-BE49-F238E27FC236}">
+                <a16:creationId xmlns:a16="http://schemas.microsoft.com/office/drawing/2014/main" id="{8B5234BC-B53F-4D8F-AAA6-9B5891B1A7DD}"/>
+              </a:ext>
+            </a:extLst>
+          </p:cNvPr>
+          <p:cNvSpPr/>
+          <p:nvPr/>
+        </p:nvSpPr>
+        <p:spPr>
+          <a:xfrm>
+            <a:off x="8132804" y="33681"/>
+            <a:ext cx="1344535" cy="923330"/>
+          </a:xfrm>
+          <a:prstGeom prst="rect">
+            <a:avLst/>
+          </a:prstGeom>
+          <a:noFill/>
+        </p:spPr>
+        <p:txBody>
+          <a:bodyPr wrap="none" lIns="91440" tIns="45720" rIns="91440" bIns="45720">
+            <a:spAutoFit/>
+          </a:bodyPr>
+          <a:lstStyle/>
+          <a:p>
+            <a:pPr algn="ctr"/>
+            <a:r>
+              <a:rPr lang="en-US" altLang="ko-KR" sz="5400" b="1" dirty="0">
+                <a:ln w="0">
+                  <a:solidFill>
+                    <a:schemeClr val="bg1"/>
+                  </a:solidFill>
+                </a:ln>
+                <a:latin typeface="+mj-ea"/>
+                <a:ea typeface="+mj-ea"/>
+              </a:rPr>
+              <a:t>WA</a:t>
+            </a:r>
+          </a:p>
+        </p:txBody>
+      </p:sp>
+      <p:sp>
+        <p:nvSpPr>
+          <p:cNvPr id="6" name="TextBox 5">
+            <a:extLst>
+              <a:ext uri="{FF2B5EF4-FFF2-40B4-BE49-F238E27FC236}">
+                <a16:creationId xmlns:a16="http://schemas.microsoft.com/office/drawing/2014/main" id="{50892891-D5A8-466C-9B07-2D46D0EB6A68}"/>
+              </a:ext>
+            </a:extLst>
+          </p:cNvPr>
+          <p:cNvSpPr txBox="1"/>
+          <p:nvPr/>
+        </p:nvSpPr>
+        <p:spPr>
+          <a:xfrm>
+            <a:off x="101601" y="1445888"/>
+            <a:ext cx="13114527" cy="2585323"/>
+          </a:xfrm>
+          <a:prstGeom prst="rect">
+            <a:avLst/>
+          </a:prstGeom>
+          <a:solidFill>
+            <a:schemeClr val="bg1">
+              <a:alpha val="20000"/>
+            </a:schemeClr>
+          </a:solidFill>
+        </p:spPr>
+        <p:txBody>
+          <a:bodyPr wrap="square" rtlCol="0">
+            <a:spAutoFit/>
+          </a:bodyPr>
+          <a:lstStyle/>
+          <a:p>
+            <a:pPr marL="285705" indent="-285705">
+              <a:buFontTx/>
+              <a:buChar char="-"/>
+            </a:pPr>
+            <a:r>
+              <a:rPr lang="ko-KR" altLang="en-US" b="1" dirty="0">
+                <a:latin typeface="HY그래픽M" panose="02030600000101010101" pitchFamily="18" charset="-127"/>
+                <a:ea typeface="HY그래픽M" panose="02030600000101010101" pitchFamily="18" charset="-127"/>
+              </a:rPr>
+              <a:t>플레이어는 게임을 진행하다 </a:t>
+            </a:r>
+            <a:r>
+              <a:rPr lang="ko-KR" altLang="en-US" b="1" dirty="0">
+                <a:solidFill>
+                  <a:schemeClr val="accent4"/>
+                </a:solidFill>
+                <a:latin typeface="HY그래픽M" panose="02030600000101010101" pitchFamily="18" charset="-127"/>
+                <a:ea typeface="HY그래픽M" panose="02030600000101010101" pitchFamily="18" charset="-127"/>
+              </a:rPr>
+              <a:t>특정 구간에서 이벤트</a:t>
+            </a:r>
+            <a:r>
+              <a:rPr lang="ko-KR" altLang="en-US" b="1" dirty="0">
+                <a:latin typeface="HY그래픽M" panose="02030600000101010101" pitchFamily="18" charset="-127"/>
+                <a:ea typeface="HY그래픽M" panose="02030600000101010101" pitchFamily="18" charset="-127"/>
+              </a:rPr>
+              <a:t>를 보게 될 수 있다</a:t>
+            </a:r>
+            <a:r>
+              <a:rPr lang="en-US" altLang="ko-KR" b="1" dirty="0">
+                <a:latin typeface="HY그래픽M" panose="02030600000101010101" pitchFamily="18" charset="-127"/>
+                <a:ea typeface="HY그래픽M" panose="02030600000101010101" pitchFamily="18" charset="-127"/>
+              </a:rPr>
+              <a:t>.</a:t>
+            </a:r>
+            <a:endParaRPr lang="en-US" altLang="ko-KR" b="1" i="1" dirty="0">
+              <a:latin typeface="HY그래픽M" panose="02030600000101010101" pitchFamily="18" charset="-127"/>
+              <a:ea typeface="HY그래픽M" panose="02030600000101010101" pitchFamily="18" charset="-127"/>
+            </a:endParaRPr>
+          </a:p>
+          <a:p>
+            <a:pPr marL="285705" indent="-285705">
+              <a:buFontTx/>
+              <a:buChar char="-"/>
+            </a:pPr>
+            <a:endParaRPr lang="en-US" altLang="ko-KR" b="1" i="1" dirty="0">
+              <a:latin typeface="HY그래픽M" panose="02030600000101010101" pitchFamily="18" charset="-127"/>
+              <a:ea typeface="HY그래픽M" panose="02030600000101010101" pitchFamily="18" charset="-127"/>
+            </a:endParaRPr>
+          </a:p>
+          <a:p>
+            <a:pPr marL="285705" indent="-285705">
+              <a:buFontTx/>
+              <a:buChar char="-"/>
+            </a:pPr>
+            <a:r>
+              <a:rPr lang="ko-KR" altLang="en-US" b="1" dirty="0">
+                <a:latin typeface="HY그래픽M" panose="02030600000101010101" pitchFamily="18" charset="-127"/>
+                <a:ea typeface="HY그래픽M" panose="02030600000101010101" pitchFamily="18" charset="-127"/>
+              </a:rPr>
+              <a:t>이벤트를 발생하는 </a:t>
+            </a:r>
+            <a:r>
+              <a:rPr lang="ko-KR" altLang="en-US" b="1" dirty="0">
+                <a:solidFill>
+                  <a:schemeClr val="accent4"/>
+                </a:solidFill>
+                <a:latin typeface="HY그래픽M" panose="02030600000101010101" pitchFamily="18" charset="-127"/>
+                <a:ea typeface="HY그래픽M" panose="02030600000101010101" pitchFamily="18" charset="-127"/>
+              </a:rPr>
+              <a:t>트리거는 여러 개 있을 수 있지만 크게 </a:t>
+            </a:r>
+            <a:r>
+              <a:rPr lang="en-US" altLang="ko-KR" b="1" dirty="0">
+                <a:solidFill>
+                  <a:schemeClr val="accent4"/>
+                </a:solidFill>
+                <a:latin typeface="HY그래픽M" panose="02030600000101010101" pitchFamily="18" charset="-127"/>
+                <a:ea typeface="HY그래픽M" panose="02030600000101010101" pitchFamily="18" charset="-127"/>
+              </a:rPr>
+              <a:t>3</a:t>
+            </a:r>
+            <a:r>
+              <a:rPr lang="ko-KR" altLang="en-US" b="1" dirty="0">
+                <a:solidFill>
+                  <a:schemeClr val="accent4"/>
+                </a:solidFill>
+                <a:latin typeface="HY그래픽M" panose="02030600000101010101" pitchFamily="18" charset="-127"/>
+                <a:ea typeface="HY그래픽M" panose="02030600000101010101" pitchFamily="18" charset="-127"/>
+              </a:rPr>
+              <a:t>가지</a:t>
+            </a:r>
+            <a:r>
+              <a:rPr lang="ko-KR" altLang="en-US" b="1" dirty="0">
+                <a:latin typeface="HY그래픽M" panose="02030600000101010101" pitchFamily="18" charset="-127"/>
+                <a:ea typeface="HY그래픽M" panose="02030600000101010101" pitchFamily="18" charset="-127"/>
+              </a:rPr>
+              <a:t>로 볼 수 있다</a:t>
+            </a:r>
+            <a:r>
+              <a:rPr lang="en-US" altLang="ko-KR" b="1" dirty="0">
+                <a:latin typeface="HY그래픽M" panose="02030600000101010101" pitchFamily="18" charset="-127"/>
+                <a:ea typeface="HY그래픽M" panose="02030600000101010101" pitchFamily="18" charset="-127"/>
+              </a:rPr>
+              <a:t>.</a:t>
+            </a:r>
+          </a:p>
+          <a:p>
+            <a:pPr marL="342900" indent="-342900">
+              <a:buFont typeface="+mj-ea"/>
+              <a:buAutoNum type="circleNumDbPlain"/>
+            </a:pPr>
+            <a:r>
+              <a:rPr lang="ko-KR" altLang="en-US" b="1" dirty="0">
+                <a:solidFill>
+                  <a:schemeClr val="bg1"/>
+                </a:solidFill>
+                <a:latin typeface="HY그래픽M" panose="02030600000101010101" pitchFamily="18" charset="-127"/>
+                <a:ea typeface="HY그래픽M" panose="02030600000101010101" pitchFamily="18" charset="-127"/>
+              </a:rPr>
+              <a:t>특정 </a:t>
+            </a:r>
+            <a:r>
+              <a:rPr lang="en-US" altLang="ko-KR" b="1" dirty="0">
+                <a:solidFill>
+                  <a:schemeClr val="bg1"/>
+                </a:solidFill>
+                <a:latin typeface="HY그래픽M" panose="02030600000101010101" pitchFamily="18" charset="-127"/>
+                <a:ea typeface="HY그래픽M" panose="02030600000101010101" pitchFamily="18" charset="-127"/>
+              </a:rPr>
+              <a:t>Gate</a:t>
+            </a:r>
+            <a:r>
+              <a:rPr lang="ko-KR" altLang="en-US" b="1" dirty="0">
+                <a:solidFill>
+                  <a:schemeClr val="bg1"/>
+                </a:solidFill>
+                <a:latin typeface="HY그래픽M" panose="02030600000101010101" pitchFamily="18" charset="-127"/>
+                <a:ea typeface="HY그래픽M" panose="02030600000101010101" pitchFamily="18" charset="-127"/>
+              </a:rPr>
+              <a:t>를 통한 룸이동이 발생 했을 시</a:t>
+            </a:r>
+            <a:endParaRPr lang="en-US" altLang="ko-KR" b="1" dirty="0">
+              <a:solidFill>
+                <a:schemeClr val="bg1"/>
+              </a:solidFill>
+              <a:latin typeface="HY그래픽M" panose="02030600000101010101" pitchFamily="18" charset="-127"/>
+              <a:ea typeface="HY그래픽M" panose="02030600000101010101" pitchFamily="18" charset="-127"/>
+            </a:endParaRPr>
+          </a:p>
+          <a:p>
+            <a:pPr marL="342900" indent="-342900">
+              <a:buFont typeface="+mj-ea"/>
+              <a:buAutoNum type="circleNumDbPlain"/>
+            </a:pPr>
+            <a:r>
+              <a:rPr lang="ko-KR" altLang="en-US" b="1" dirty="0">
+                <a:solidFill>
+                  <a:schemeClr val="bg1"/>
+                </a:solidFill>
+                <a:latin typeface="HY그래픽M" panose="02030600000101010101" pitchFamily="18" charset="-127"/>
+                <a:ea typeface="HY그래픽M" panose="02030600000101010101" pitchFamily="18" charset="-127"/>
+              </a:rPr>
+              <a:t>특정 오브젝트 및 </a:t>
+            </a:r>
+            <a:r>
+              <a:rPr lang="ko-KR" altLang="en-US" b="1" dirty="0" err="1">
+                <a:solidFill>
+                  <a:schemeClr val="bg1"/>
+                </a:solidFill>
+                <a:latin typeface="HY그래픽M" panose="02030600000101010101" pitchFamily="18" charset="-127"/>
+                <a:ea typeface="HY그래픽M" panose="02030600000101010101" pitchFamily="18" charset="-127"/>
+              </a:rPr>
+              <a:t>퍼즐등과</a:t>
+            </a:r>
+            <a:r>
+              <a:rPr lang="ko-KR" altLang="en-US" b="1" dirty="0">
+                <a:solidFill>
+                  <a:schemeClr val="bg1"/>
+                </a:solidFill>
+                <a:latin typeface="HY그래픽M" panose="02030600000101010101" pitchFamily="18" charset="-127"/>
+                <a:ea typeface="HY그래픽M" panose="02030600000101010101" pitchFamily="18" charset="-127"/>
+              </a:rPr>
+              <a:t> 상호작용 했을 시</a:t>
+            </a:r>
+            <a:endParaRPr lang="en-US" altLang="ko-KR" b="1" dirty="0">
+              <a:solidFill>
+                <a:schemeClr val="bg1"/>
+              </a:solidFill>
+              <a:latin typeface="HY그래픽M" panose="02030600000101010101" pitchFamily="18" charset="-127"/>
+              <a:ea typeface="HY그래픽M" panose="02030600000101010101" pitchFamily="18" charset="-127"/>
+            </a:endParaRPr>
+          </a:p>
+          <a:p>
+            <a:pPr marL="342900" indent="-342900">
+              <a:buFont typeface="+mj-ea"/>
+              <a:buAutoNum type="circleNumDbPlain"/>
+            </a:pPr>
+            <a:r>
+              <a:rPr lang="ko-KR" altLang="en-US" b="1" dirty="0">
+                <a:solidFill>
+                  <a:schemeClr val="bg1"/>
+                </a:solidFill>
+                <a:latin typeface="HY그래픽M" panose="02030600000101010101" pitchFamily="18" charset="-127"/>
+                <a:ea typeface="HY그래픽M" panose="02030600000101010101" pitchFamily="18" charset="-127"/>
+              </a:rPr>
+              <a:t>특정 위치에 캐릭터가 이동했을 시</a:t>
+            </a:r>
+            <a:endParaRPr lang="en-US" altLang="ko-KR" b="1" dirty="0">
+              <a:solidFill>
+                <a:schemeClr val="bg1"/>
+              </a:solidFill>
+              <a:latin typeface="HY그래픽M" panose="02030600000101010101" pitchFamily="18" charset="-127"/>
+              <a:ea typeface="HY그래픽M" panose="02030600000101010101" pitchFamily="18" charset="-127"/>
+            </a:endParaRPr>
+          </a:p>
+          <a:p>
+            <a:pPr marL="285705" indent="-285705">
+              <a:buFontTx/>
+              <a:buChar char="-"/>
+            </a:pPr>
+            <a:endParaRPr lang="en-US" altLang="ko-KR" b="1" dirty="0">
+              <a:latin typeface="HY그래픽M" panose="02030600000101010101" pitchFamily="18" charset="-127"/>
+              <a:ea typeface="HY그래픽M" panose="02030600000101010101" pitchFamily="18" charset="-127"/>
+            </a:endParaRPr>
+          </a:p>
+          <a:p>
+            <a:pPr marL="285705" indent="-285705">
+              <a:buFontTx/>
+              <a:buChar char="-"/>
+            </a:pPr>
+            <a:r>
+              <a:rPr lang="ko-KR" altLang="en-US" b="1" dirty="0">
+                <a:latin typeface="HY그래픽M" panose="02030600000101010101" pitchFamily="18" charset="-127"/>
+                <a:ea typeface="HY그래픽M" panose="02030600000101010101" pitchFamily="18" charset="-127"/>
+              </a:rPr>
+              <a:t>이 이벤트는 각기 다른 형태를 띄우고 있으므로 별도의 문서</a:t>
+            </a:r>
+            <a:r>
+              <a:rPr lang="en-US" altLang="ko-KR" b="1" dirty="0">
+                <a:latin typeface="HY그래픽M" panose="02030600000101010101" pitchFamily="18" charset="-127"/>
+                <a:ea typeface="HY그래픽M" panose="02030600000101010101" pitchFamily="18" charset="-127"/>
+              </a:rPr>
+              <a:t>(</a:t>
+            </a:r>
+            <a:r>
+              <a:rPr lang="ko-KR" altLang="en-US" b="1" dirty="0">
+                <a:latin typeface="HY그래픽M" panose="02030600000101010101" pitchFamily="18" charset="-127"/>
+                <a:ea typeface="HY그래픽M" panose="02030600000101010101" pitchFamily="18" charset="-127"/>
+              </a:rPr>
+              <a:t>레벨기획서</a:t>
+            </a:r>
+            <a:r>
+              <a:rPr lang="en-US" altLang="ko-KR" b="1" dirty="0">
+                <a:latin typeface="HY그래픽M" panose="02030600000101010101" pitchFamily="18" charset="-127"/>
+                <a:ea typeface="HY그래픽M" panose="02030600000101010101" pitchFamily="18" charset="-127"/>
+              </a:rPr>
+              <a:t>)</a:t>
+            </a:r>
+            <a:r>
+              <a:rPr lang="ko-KR" altLang="en-US" b="1" dirty="0">
+                <a:latin typeface="HY그래픽M" panose="02030600000101010101" pitchFamily="18" charset="-127"/>
+                <a:ea typeface="HY그래픽M" panose="02030600000101010101" pitchFamily="18" charset="-127"/>
+              </a:rPr>
+              <a:t>에서 레벨별로 안내할 것이다</a:t>
+            </a:r>
+            <a:r>
+              <a:rPr lang="en-US" altLang="ko-KR" b="1" dirty="0">
+                <a:latin typeface="HY그래픽M" panose="02030600000101010101" pitchFamily="18" charset="-127"/>
+                <a:ea typeface="HY그래픽M" panose="02030600000101010101" pitchFamily="18" charset="-127"/>
+              </a:rPr>
+              <a:t>.</a:t>
+            </a:r>
+          </a:p>
+          <a:p>
+            <a:pPr marL="285705" indent="-285705">
+              <a:buFontTx/>
+              <a:buChar char="-"/>
+            </a:pPr>
+            <a:endParaRPr lang="en-US" altLang="ko-KR" b="1" dirty="0">
+              <a:latin typeface="HY그래픽M" panose="02030600000101010101" pitchFamily="18" charset="-127"/>
+              <a:ea typeface="HY그래픽M" panose="02030600000101010101" pitchFamily="18" charset="-127"/>
+            </a:endParaRPr>
+          </a:p>
+        </p:txBody>
+      </p:sp>
+    </p:spTree>
+    <p:extLst>
+      <p:ext uri="{BB962C8B-B14F-4D97-AF65-F5344CB8AC3E}">
+        <p14:creationId xmlns:p14="http://schemas.microsoft.com/office/powerpoint/2010/main" val="2074004413"/>
       </p:ext>
     </p:extLst>
   </p:cSld>
